--- a/0_Ramp_Up/documentos/Data Science - Ramp Up - Apoyo.pptx
+++ b/0_Ramp_Up/documentos/Data Science - Ramp Up - Apoyo.pptx
@@ -218,7 +218,7 @@
           <a:p>
             <a:fld id="{E2E1EB10-6A21-440E-BF2D-F14C49559F2A}" type="datetimeFigureOut">
               <a:rPr lang="es-ES" smtClean="0"/>
-              <a:t>07/06/2020</a:t>
+              <a:t>13/06/2020</a:t>
             </a:fld>
             <a:endParaRPr lang="es-ES"/>
           </a:p>
@@ -402,7 +402,7 @@
           <a:p>
             <a:fld id="{6030B40B-5C5C-408D-8E71-442557AE69BE}" type="datetimeFigureOut">
               <a:rPr lang="es-ES" smtClean="0"/>
-              <a:t>07/06/2020</a:t>
+              <a:t>13/06/2020</a:t>
             </a:fld>
             <a:endParaRPr lang="es-ES"/>
           </a:p>
@@ -804,7 +804,7 @@
           <a:p>
             <a:fld id="{5B772F0D-A02A-4702-8780-0B9BEC7A8699}" type="datetime1">
               <a:rPr lang="es-ES" smtClean="0"/>
-              <a:t>07/06/2020</a:t>
+              <a:t>13/06/2020</a:t>
             </a:fld>
             <a:endParaRPr lang="es-ES"/>
           </a:p>
@@ -977,7 +977,7 @@
           <a:p>
             <a:fld id="{B7089A12-8DCA-43F2-8141-5440FE76067E}" type="datetime1">
               <a:rPr lang="es-ES" smtClean="0"/>
-              <a:t>07/06/2020</a:t>
+              <a:t>13/06/2020</a:t>
             </a:fld>
             <a:endParaRPr lang="es-ES"/>
           </a:p>
@@ -1160,7 +1160,7 @@
           <a:p>
             <a:fld id="{1ECAA92C-77A8-40E9-B836-7A7337601971}" type="datetime1">
               <a:rPr lang="es-ES" smtClean="0"/>
-              <a:t>07/06/2020</a:t>
+              <a:t>13/06/2020</a:t>
             </a:fld>
             <a:endParaRPr lang="es-ES"/>
           </a:p>
@@ -1333,7 +1333,7 @@
           <a:p>
             <a:fld id="{76C3C7A2-BAD2-4CA0-B88A-B6452E90DFBC}" type="datetime1">
               <a:rPr lang="es-ES" smtClean="0"/>
-              <a:t>07/06/2020</a:t>
+              <a:t>13/06/2020</a:t>
             </a:fld>
             <a:endParaRPr lang="es-ES"/>
           </a:p>
@@ -1582,7 +1582,7 @@
           <a:p>
             <a:fld id="{ECA9CF60-F39A-43C0-966A-9235067209B8}" type="datetime1">
               <a:rPr lang="es-ES" smtClean="0"/>
-              <a:t>07/06/2020</a:t>
+              <a:t>13/06/2020</a:t>
             </a:fld>
             <a:endParaRPr lang="es-ES"/>
           </a:p>
@@ -1817,7 +1817,7 @@
           <a:p>
             <a:fld id="{4956C9BF-599C-46EE-897D-D3B566742584}" type="datetime1">
               <a:rPr lang="es-ES" smtClean="0"/>
-              <a:t>07/06/2020</a:t>
+              <a:t>13/06/2020</a:t>
             </a:fld>
             <a:endParaRPr lang="es-ES"/>
           </a:p>
@@ -2187,7 +2187,7 @@
           <a:p>
             <a:fld id="{95FE9576-1C9C-4DA4-A00A-9DD8D8245248}" type="datetime1">
               <a:rPr lang="es-ES" smtClean="0"/>
-              <a:t>07/06/2020</a:t>
+              <a:t>13/06/2020</a:t>
             </a:fld>
             <a:endParaRPr lang="es-ES"/>
           </a:p>
@@ -2308,7 +2308,7 @@
           <a:p>
             <a:fld id="{A25E806F-9BD2-4ABB-A643-CD5EC8F2EFC5}" type="datetime1">
               <a:rPr lang="es-ES" smtClean="0"/>
-              <a:t>07/06/2020</a:t>
+              <a:t>13/06/2020</a:t>
             </a:fld>
             <a:endParaRPr lang="es-ES"/>
           </a:p>
@@ -2406,7 +2406,7 @@
           <a:p>
             <a:fld id="{44D58291-17CD-4DFA-B627-8197516A579F}" type="datetime1">
               <a:rPr lang="es-ES" smtClean="0"/>
-              <a:t>07/06/2020</a:t>
+              <a:t>13/06/2020</a:t>
             </a:fld>
             <a:endParaRPr lang="es-ES"/>
           </a:p>
@@ -2686,7 +2686,7 @@
           <a:p>
             <a:fld id="{CE47F85A-B433-4D20-98A1-4063FF1FEBAE}" type="datetime1">
               <a:rPr lang="es-ES" smtClean="0"/>
-              <a:t>07/06/2020</a:t>
+              <a:t>13/06/2020</a:t>
             </a:fld>
             <a:endParaRPr lang="es-ES"/>
           </a:p>
@@ -2946,7 +2946,7 @@
           <a:p>
             <a:fld id="{88FF7EC7-7A16-44B9-9DAF-6069C283BDDE}" type="datetime1">
               <a:rPr lang="es-ES" smtClean="0"/>
-              <a:t>07/06/2020</a:t>
+              <a:t>13/06/2020</a:t>
             </a:fld>
             <a:endParaRPr lang="es-ES"/>
           </a:p>
@@ -3162,7 +3162,7 @@
           <a:p>
             <a:fld id="{1FF7DE26-E335-45E6-BFEF-90CB33A4197F}" type="datetime1">
               <a:rPr lang="es-ES" smtClean="0"/>
-              <a:t>07/06/2020</a:t>
+              <a:t>13/06/2020</a:t>
             </a:fld>
             <a:endParaRPr lang="es-ES"/>
           </a:p>

--- a/0_Ramp_Up/documentos/Data Science - Ramp Up - Apoyo.pptx
+++ b/0_Ramp_Up/documentos/Data Science - Ramp Up - Apoyo.pptx
@@ -5,16 +5,17 @@
     <p:sldMasterId id="2147483660" r:id="rId1"/>
   </p:sldMasterIdLst>
   <p:notesMasterIdLst>
-    <p:notesMasterId r:id="rId6"/>
+    <p:notesMasterId r:id="rId7"/>
   </p:notesMasterIdLst>
   <p:handoutMasterIdLst>
-    <p:handoutMasterId r:id="rId7"/>
+    <p:handoutMasterId r:id="rId8"/>
   </p:handoutMasterIdLst>
   <p:sldIdLst>
     <p:sldId id="256" r:id="rId2"/>
-    <p:sldId id="261" r:id="rId3"/>
-    <p:sldId id="263" r:id="rId4"/>
-    <p:sldId id="264" r:id="rId5"/>
+    <p:sldId id="263" r:id="rId3"/>
+    <p:sldId id="265" r:id="rId4"/>
+    <p:sldId id="266" r:id="rId5"/>
+    <p:sldId id="264" r:id="rId6"/>
   </p:sldIdLst>
   <p:sldSz cx="12192000" cy="6858000"/>
   <p:notesSz cx="6858000" cy="9144000"/>
@@ -218,7 +219,7 @@
           <a:p>
             <a:fld id="{E2E1EB10-6A21-440E-BF2D-F14C49559F2A}" type="datetimeFigureOut">
               <a:rPr lang="es-ES" smtClean="0"/>
-              <a:t>13/06/2020</a:t>
+              <a:t>14/06/2020</a:t>
             </a:fld>
             <a:endParaRPr lang="es-ES"/>
           </a:p>
@@ -402,7 +403,7 @@
           <a:p>
             <a:fld id="{6030B40B-5C5C-408D-8E71-442557AE69BE}" type="datetimeFigureOut">
               <a:rPr lang="es-ES" smtClean="0"/>
-              <a:t>13/06/2020</a:t>
+              <a:t>14/06/2020</a:t>
             </a:fld>
             <a:endParaRPr lang="es-ES"/>
           </a:p>
@@ -804,7 +805,7 @@
           <a:p>
             <a:fld id="{5B772F0D-A02A-4702-8780-0B9BEC7A8699}" type="datetime1">
               <a:rPr lang="es-ES" smtClean="0"/>
-              <a:t>13/06/2020</a:t>
+              <a:t>14/06/2020</a:t>
             </a:fld>
             <a:endParaRPr lang="es-ES"/>
           </a:p>
@@ -977,7 +978,7 @@
           <a:p>
             <a:fld id="{B7089A12-8DCA-43F2-8141-5440FE76067E}" type="datetime1">
               <a:rPr lang="es-ES" smtClean="0"/>
-              <a:t>13/06/2020</a:t>
+              <a:t>14/06/2020</a:t>
             </a:fld>
             <a:endParaRPr lang="es-ES"/>
           </a:p>
@@ -1160,7 +1161,7 @@
           <a:p>
             <a:fld id="{1ECAA92C-77A8-40E9-B836-7A7337601971}" type="datetime1">
               <a:rPr lang="es-ES" smtClean="0"/>
-              <a:t>13/06/2020</a:t>
+              <a:t>14/06/2020</a:t>
             </a:fld>
             <a:endParaRPr lang="es-ES"/>
           </a:p>
@@ -1333,7 +1334,7 @@
           <a:p>
             <a:fld id="{76C3C7A2-BAD2-4CA0-B88A-B6452E90DFBC}" type="datetime1">
               <a:rPr lang="es-ES" smtClean="0"/>
-              <a:t>13/06/2020</a:t>
+              <a:t>14/06/2020</a:t>
             </a:fld>
             <a:endParaRPr lang="es-ES"/>
           </a:p>
@@ -1582,7 +1583,7 @@
           <a:p>
             <a:fld id="{ECA9CF60-F39A-43C0-966A-9235067209B8}" type="datetime1">
               <a:rPr lang="es-ES" smtClean="0"/>
-              <a:t>13/06/2020</a:t>
+              <a:t>14/06/2020</a:t>
             </a:fld>
             <a:endParaRPr lang="es-ES"/>
           </a:p>
@@ -1817,7 +1818,7 @@
           <a:p>
             <a:fld id="{4956C9BF-599C-46EE-897D-D3B566742584}" type="datetime1">
               <a:rPr lang="es-ES" smtClean="0"/>
-              <a:t>13/06/2020</a:t>
+              <a:t>14/06/2020</a:t>
             </a:fld>
             <a:endParaRPr lang="es-ES"/>
           </a:p>
@@ -2187,7 +2188,7 @@
           <a:p>
             <a:fld id="{95FE9576-1C9C-4DA4-A00A-9DD8D8245248}" type="datetime1">
               <a:rPr lang="es-ES" smtClean="0"/>
-              <a:t>13/06/2020</a:t>
+              <a:t>14/06/2020</a:t>
             </a:fld>
             <a:endParaRPr lang="es-ES"/>
           </a:p>
@@ -2308,7 +2309,7 @@
           <a:p>
             <a:fld id="{A25E806F-9BD2-4ABB-A643-CD5EC8F2EFC5}" type="datetime1">
               <a:rPr lang="es-ES" smtClean="0"/>
-              <a:t>13/06/2020</a:t>
+              <a:t>14/06/2020</a:t>
             </a:fld>
             <a:endParaRPr lang="es-ES"/>
           </a:p>
@@ -2406,7 +2407,7 @@
           <a:p>
             <a:fld id="{44D58291-17CD-4DFA-B627-8197516A579F}" type="datetime1">
               <a:rPr lang="es-ES" smtClean="0"/>
-              <a:t>13/06/2020</a:t>
+              <a:t>14/06/2020</a:t>
             </a:fld>
             <a:endParaRPr lang="es-ES"/>
           </a:p>
@@ -2686,7 +2687,7 @@
           <a:p>
             <a:fld id="{CE47F85A-B433-4D20-98A1-4063FF1FEBAE}" type="datetime1">
               <a:rPr lang="es-ES" smtClean="0"/>
-              <a:t>13/06/2020</a:t>
+              <a:t>14/06/2020</a:t>
             </a:fld>
             <a:endParaRPr lang="es-ES"/>
           </a:p>
@@ -2946,7 +2947,7 @@
           <a:p>
             <a:fld id="{88FF7EC7-7A16-44B9-9DAF-6069C283BDDE}" type="datetime1">
               <a:rPr lang="es-ES" smtClean="0"/>
-              <a:t>13/06/2020</a:t>
+              <a:t>14/06/2020</a:t>
             </a:fld>
             <a:endParaRPr lang="es-ES"/>
           </a:p>
@@ -3162,7 +3163,7 @@
           <a:p>
             <a:fld id="{1FF7DE26-E335-45E6-BFEF-90CB33A4197F}" type="datetime1">
               <a:rPr lang="es-ES" smtClean="0"/>
-              <a:t>13/06/2020</a:t>
+              <a:t>14/06/2020</a:t>
             </a:fld>
             <a:endParaRPr lang="es-ES"/>
           </a:p>
@@ -3865,7 +3866,7 @@
                 <a:latin typeface="Segoe UI" panose="020B0502040204020203" pitchFamily="34" charset="0"/>
                 <a:cs typeface="Segoe UI" panose="020B0502040204020203" pitchFamily="34" charset="0"/>
               </a:rPr>
-              <a:t>Semana 1 - 4</a:t>
+              <a:t>Links interesantes</a:t>
             </a:r>
           </a:p>
         </p:txBody>
@@ -3954,10 +3955,10 @@
       </p:pic>
       <p:sp>
         <p:nvSpPr>
-          <p:cNvPr id="7" name="CuadroTexto 6">
+          <p:cNvPr id="10" name="CuadroTexto 9">
             <a:extLst>
               <a:ext uri="{FF2B5EF4-FFF2-40B4-BE49-F238E27FC236}">
-                <a16:creationId xmlns:a16="http://schemas.microsoft.com/office/drawing/2014/main" id="{D96D4805-5AC9-4B1D-A028-985175C9A761}"/>
+                <a16:creationId xmlns:a16="http://schemas.microsoft.com/office/drawing/2014/main" id="{4F543916-538C-47A9-8F56-5F7269D100C6}"/>
               </a:ext>
             </a:extLst>
           </p:cNvPr>
@@ -3966,67 +3967,7 @@
         </p:nvSpPr>
         <p:spPr>
           <a:xfrm>
-            <a:off x="360218" y="235382"/>
-            <a:ext cx="11471563" cy="338554"/>
-          </a:xfrm>
-          <a:prstGeom prst="rect">
-            <a:avLst/>
-          </a:prstGeom>
-          <a:noFill/>
-        </p:spPr>
-        <p:txBody>
-          <a:bodyPr wrap="square" rtlCol="0">
-            <a:spAutoFit/>
-          </a:bodyPr>
-          <a:lstStyle/>
-          <a:p>
-            <a:pPr algn="ctr"/>
-            <a:r>
-              <a:rPr lang="es-ES" sz="1200" i="1" dirty="0">
-                <a:solidFill>
-                  <a:schemeClr val="tx1">
-                    <a:lumMod val="85000"/>
-                  </a:schemeClr>
-                </a:solidFill>
-              </a:rPr>
-              <a:t>Dia 2	</a:t>
-            </a:r>
-            <a:r>
-              <a:rPr lang="es-ES" sz="1200" i="1" dirty="0"/>
-              <a:t>						</a:t>
-            </a:r>
-            <a:r>
-              <a:rPr lang="es-ES" sz="1200" i="1" dirty="0">
-                <a:solidFill>
-                  <a:schemeClr val="tx1">
-                    <a:lumMod val="85000"/>
-                  </a:schemeClr>
-                </a:solidFill>
-              </a:rPr>
-              <a:t>Dia 3							</a:t>
-            </a:r>
-            <a:r>
-              <a:rPr lang="es-ES" sz="1600" b="1" i="1" dirty="0"/>
-              <a:t>Dia 4</a:t>
-            </a:r>
-          </a:p>
-        </p:txBody>
-      </p:sp>
-      <p:sp>
-        <p:nvSpPr>
-          <p:cNvPr id="3" name="CuadroTexto 2">
-            <a:extLst>
-              <a:ext uri="{FF2B5EF4-FFF2-40B4-BE49-F238E27FC236}">
-                <a16:creationId xmlns:a16="http://schemas.microsoft.com/office/drawing/2014/main" id="{51255BE2-DC8A-4675-BDCC-D30B31E4F48A}"/>
-              </a:ext>
-            </a:extLst>
-          </p:cNvPr>
-          <p:cNvSpPr txBox="1"/>
-          <p:nvPr/>
-        </p:nvSpPr>
-        <p:spPr>
-          <a:xfrm>
-            <a:off x="894106" y="1872831"/>
+            <a:off x="285766" y="1797834"/>
             <a:ext cx="3629891" cy="461665"/>
           </a:xfrm>
           <a:prstGeom prst="rect">
@@ -4051,17 +3992,17 @@
                 <a:latin typeface="Segoe UI" panose="020B0502040204020203" pitchFamily="34" charset="0"/>
                 <a:cs typeface="Segoe UI" panose="020B0502040204020203" pitchFamily="34" charset="0"/>
               </a:rPr>
-              <a:t>Contenido</a:t>
-            </a:r>
-          </a:p>
-        </p:txBody>
-      </p:sp>
-      <p:sp>
-        <p:nvSpPr>
-          <p:cNvPr id="4" name="CuadroTexto 3">
+              <a:t>Documentación</a:t>
+            </a:r>
+          </a:p>
+        </p:txBody>
+      </p:sp>
+      <p:sp>
+        <p:nvSpPr>
+          <p:cNvPr id="14" name="CuadroTexto 13">
             <a:extLst>
               <a:ext uri="{FF2B5EF4-FFF2-40B4-BE49-F238E27FC236}">
-                <a16:creationId xmlns:a16="http://schemas.microsoft.com/office/drawing/2014/main" id="{85F2C973-B15A-447E-8D8E-5C509310D229}"/>
+                <a16:creationId xmlns:a16="http://schemas.microsoft.com/office/drawing/2014/main" id="{EBEBFD9F-5E76-49FC-8A34-A8E3CE6DD252}"/>
               </a:ext>
             </a:extLst>
           </p:cNvPr>
@@ -4070,392 +4011,7 @@
         </p:nvSpPr>
         <p:spPr>
           <a:xfrm>
-            <a:off x="617680" y="2543121"/>
-            <a:ext cx="4682836" cy="2800767"/>
-          </a:xfrm>
-          <a:prstGeom prst="rect">
-            <a:avLst/>
-          </a:prstGeom>
-          <a:noFill/>
-        </p:spPr>
-        <p:txBody>
-          <a:bodyPr wrap="square" rtlCol="0">
-            <a:spAutoFit/>
-          </a:bodyPr>
-          <a:lstStyle/>
-          <a:p>
-            <a:r>
-              <a:rPr lang="es-ES" sz="1400" b="1" dirty="0">
-                <a:solidFill>
-                  <a:schemeClr val="tx1">
-                    <a:lumMod val="95000"/>
-                  </a:schemeClr>
-                </a:solidFill>
-                <a:latin typeface="Segoe UI" panose="020B0502040204020203" pitchFamily="34" charset="0"/>
-                <a:cs typeface="Segoe UI" panose="020B0502040204020203" pitchFamily="34" charset="0"/>
-              </a:rPr>
-              <a:t>Python </a:t>
-            </a:r>
-            <a:r>
-              <a:rPr lang="es-ES" sz="1400" b="1" dirty="0" err="1">
-                <a:solidFill>
-                  <a:schemeClr val="tx1">
-                    <a:lumMod val="95000"/>
-                  </a:schemeClr>
-                </a:solidFill>
-                <a:latin typeface="Segoe UI" panose="020B0502040204020203" pitchFamily="34" charset="0"/>
-                <a:cs typeface="Segoe UI" panose="020B0502040204020203" pitchFamily="34" charset="0"/>
-              </a:rPr>
-              <a:t>Basics</a:t>
-            </a:r>
-            <a:r>
-              <a:rPr lang="es-ES" sz="1400" b="1" dirty="0">
-                <a:solidFill>
-                  <a:schemeClr val="tx1">
-                    <a:lumMod val="95000"/>
-                  </a:schemeClr>
-                </a:solidFill>
-                <a:latin typeface="Segoe UI" panose="020B0502040204020203" pitchFamily="34" charset="0"/>
-                <a:cs typeface="Segoe UI" panose="020B0502040204020203" pitchFamily="34" charset="0"/>
-              </a:rPr>
-              <a:t> II</a:t>
-            </a:r>
-          </a:p>
-          <a:p>
-            <a:r>
-              <a:rPr lang="es-ES" sz="1200" i="1" dirty="0">
-                <a:solidFill>
-                  <a:schemeClr val="tx1">
-                    <a:lumMod val="85000"/>
-                  </a:schemeClr>
-                </a:solidFill>
-                <a:latin typeface="Segoe UI" panose="020B0502040204020203" pitchFamily="34" charset="0"/>
-                <a:cs typeface="Segoe UI" panose="020B0502040204020203" pitchFamily="34" charset="0"/>
-              </a:rPr>
-              <a:t>Operaciones aritméticas, comparativas, operaciones booleanos.</a:t>
-            </a:r>
-          </a:p>
-          <a:p>
-            <a:r>
-              <a:rPr lang="es-ES" sz="1200" i="1" dirty="0">
-                <a:solidFill>
-                  <a:schemeClr val="tx1">
-                    <a:lumMod val="85000"/>
-                  </a:schemeClr>
-                </a:solidFill>
-                <a:latin typeface="Segoe UI" panose="020B0502040204020203" pitchFamily="34" charset="0"/>
-                <a:cs typeface="Segoe UI" panose="020B0502040204020203" pitchFamily="34" charset="0"/>
-              </a:rPr>
-              <a:t>Listas, sintaxis en línea, el valor </a:t>
-            </a:r>
-            <a:r>
-              <a:rPr lang="es-ES" sz="1200" i="1" dirty="0" err="1">
-                <a:solidFill>
-                  <a:schemeClr val="tx1">
-                    <a:lumMod val="85000"/>
-                  </a:schemeClr>
-                </a:solidFill>
-                <a:latin typeface="Segoe UI" panose="020B0502040204020203" pitchFamily="34" charset="0"/>
-                <a:cs typeface="Segoe UI" panose="020B0502040204020203" pitchFamily="34" charset="0"/>
-              </a:rPr>
-              <a:t>None</a:t>
-            </a:r>
-            <a:endParaRPr lang="es-ES" sz="1200" i="1" dirty="0">
-              <a:solidFill>
-                <a:schemeClr val="tx1">
-                  <a:lumMod val="85000"/>
-                </a:schemeClr>
-              </a:solidFill>
-              <a:latin typeface="Segoe UI" panose="020B0502040204020203" pitchFamily="34" charset="0"/>
-              <a:cs typeface="Segoe UI" panose="020B0502040204020203" pitchFamily="34" charset="0"/>
-            </a:endParaRPr>
-          </a:p>
-          <a:p>
-            <a:r>
-              <a:rPr lang="es-ES" sz="1200" i="1" dirty="0">
-                <a:solidFill>
-                  <a:schemeClr val="tx1">
-                    <a:lumMod val="85000"/>
-                  </a:schemeClr>
-                </a:solidFill>
-                <a:latin typeface="Segoe UI" panose="020B0502040204020203" pitchFamily="34" charset="0"/>
-                <a:cs typeface="Segoe UI" panose="020B0502040204020203" pitchFamily="34" charset="0"/>
-              </a:rPr>
-              <a:t>Errores básicos</a:t>
-            </a:r>
-            <a:endParaRPr lang="es-ES" sz="1200" i="1" dirty="0">
-              <a:solidFill>
-                <a:prstClr val="white">
-                  <a:lumMod val="85000"/>
-                </a:prstClr>
-              </a:solidFill>
-              <a:latin typeface="Segoe UI" panose="020B0502040204020203" pitchFamily="34" charset="0"/>
-              <a:cs typeface="Segoe UI" panose="020B0502040204020203" pitchFamily="34" charset="0"/>
-            </a:endParaRPr>
-          </a:p>
-          <a:p>
-            <a:endParaRPr lang="es-ES" sz="1400" b="1" dirty="0">
-              <a:solidFill>
-                <a:schemeClr val="tx1">
-                  <a:lumMod val="95000"/>
-                </a:schemeClr>
-              </a:solidFill>
-              <a:latin typeface="Segoe UI" panose="020B0502040204020203" pitchFamily="34" charset="0"/>
-              <a:cs typeface="Segoe UI" panose="020B0502040204020203" pitchFamily="34" charset="0"/>
-            </a:endParaRPr>
-          </a:p>
-          <a:p>
-            <a:r>
-              <a:rPr lang="es-ES" sz="1400" b="1" dirty="0">
-                <a:solidFill>
-                  <a:schemeClr val="tx1">
-                    <a:lumMod val="95000"/>
-                  </a:schemeClr>
-                </a:solidFill>
-                <a:latin typeface="Segoe UI" panose="020B0502040204020203" pitchFamily="34" charset="0"/>
-                <a:cs typeface="Segoe UI" panose="020B0502040204020203" pitchFamily="34" charset="0"/>
-              </a:rPr>
-              <a:t>Funciones </a:t>
-            </a:r>
-            <a:r>
-              <a:rPr lang="es-ES" sz="1400" b="1" dirty="0" err="1">
-                <a:solidFill>
-                  <a:schemeClr val="tx1">
-                    <a:lumMod val="95000"/>
-                  </a:schemeClr>
-                </a:solidFill>
-                <a:latin typeface="Segoe UI" panose="020B0502040204020203" pitchFamily="34" charset="0"/>
-                <a:cs typeface="Segoe UI" panose="020B0502040204020203" pitchFamily="34" charset="0"/>
-              </a:rPr>
-              <a:t>Built</a:t>
-            </a:r>
-            <a:r>
-              <a:rPr lang="es-ES" sz="1400" b="1" dirty="0">
-                <a:solidFill>
-                  <a:schemeClr val="tx1">
-                    <a:lumMod val="95000"/>
-                  </a:schemeClr>
-                </a:solidFill>
-                <a:latin typeface="Segoe UI" panose="020B0502040204020203" pitchFamily="34" charset="0"/>
-                <a:cs typeface="Segoe UI" panose="020B0502040204020203" pitchFamily="34" charset="0"/>
-              </a:rPr>
-              <a:t>-in</a:t>
-            </a:r>
-          </a:p>
-          <a:p>
-            <a:r>
-              <a:rPr lang="es-ES" sz="1200" i="1" dirty="0">
-                <a:solidFill>
-                  <a:schemeClr val="tx1">
-                    <a:lumMod val="85000"/>
-                  </a:schemeClr>
-                </a:solidFill>
-                <a:latin typeface="Segoe UI" panose="020B0502040204020203" pitchFamily="34" charset="0"/>
-                <a:cs typeface="Segoe UI" panose="020B0502040204020203" pitchFamily="34" charset="0"/>
-              </a:rPr>
-              <a:t>Funciones propias del núcleo de Python como: </a:t>
-            </a:r>
-            <a:r>
-              <a:rPr lang="es-ES" sz="1200" i="1" dirty="0" err="1">
-                <a:solidFill>
-                  <a:schemeClr val="tx1">
-                    <a:lumMod val="85000"/>
-                  </a:schemeClr>
-                </a:solidFill>
-                <a:latin typeface="Segoe UI" panose="020B0502040204020203" pitchFamily="34" charset="0"/>
-                <a:cs typeface="Segoe UI" panose="020B0502040204020203" pitchFamily="34" charset="0"/>
-              </a:rPr>
-              <a:t>len</a:t>
-            </a:r>
-            <a:r>
-              <a:rPr lang="es-ES" sz="1200" i="1" dirty="0">
-                <a:solidFill>
-                  <a:schemeClr val="tx1">
-                    <a:lumMod val="85000"/>
-                  </a:schemeClr>
-                </a:solidFill>
-                <a:latin typeface="Segoe UI" panose="020B0502040204020203" pitchFamily="34" charset="0"/>
-                <a:cs typeface="Segoe UI" panose="020B0502040204020203" pitchFamily="34" charset="0"/>
-              </a:rPr>
-              <a:t> o </a:t>
-            </a:r>
-            <a:r>
-              <a:rPr lang="es-ES" sz="1200" i="1" dirty="0" err="1">
-                <a:solidFill>
-                  <a:schemeClr val="tx1">
-                    <a:lumMod val="85000"/>
-                  </a:schemeClr>
-                </a:solidFill>
-                <a:latin typeface="Segoe UI" panose="020B0502040204020203" pitchFamily="34" charset="0"/>
-                <a:cs typeface="Segoe UI" panose="020B0502040204020203" pitchFamily="34" charset="0"/>
-              </a:rPr>
-              <a:t>range</a:t>
-            </a:r>
-            <a:r>
-              <a:rPr lang="es-ES" sz="1200" i="1" dirty="0">
-                <a:solidFill>
-                  <a:schemeClr val="tx1">
-                    <a:lumMod val="85000"/>
-                  </a:schemeClr>
-                </a:solidFill>
-                <a:latin typeface="Segoe UI" panose="020B0502040204020203" pitchFamily="34" charset="0"/>
-                <a:cs typeface="Segoe UI" panose="020B0502040204020203" pitchFamily="34" charset="0"/>
-              </a:rPr>
-              <a:t>.</a:t>
-            </a:r>
-          </a:p>
-          <a:p>
-            <a:endParaRPr lang="es-ES" sz="1200" i="1" dirty="0">
-              <a:solidFill>
-                <a:schemeClr val="tx1">
-                  <a:lumMod val="85000"/>
-                </a:schemeClr>
-              </a:solidFill>
-              <a:latin typeface="Segoe UI" panose="020B0502040204020203" pitchFamily="34" charset="0"/>
-              <a:cs typeface="Segoe UI" panose="020B0502040204020203" pitchFamily="34" charset="0"/>
-            </a:endParaRPr>
-          </a:p>
-          <a:p>
-            <a:r>
-              <a:rPr lang="es-ES" sz="1400" b="1" dirty="0">
-                <a:solidFill>
-                  <a:schemeClr val="tx1">
-                    <a:lumMod val="95000"/>
-                  </a:schemeClr>
-                </a:solidFill>
-                <a:latin typeface="Segoe UI" panose="020B0502040204020203" pitchFamily="34" charset="0"/>
-                <a:cs typeface="Segoe UI" panose="020B0502040204020203" pitchFamily="34" charset="0"/>
-              </a:rPr>
-              <a:t>Ejercicios</a:t>
-            </a:r>
-          </a:p>
-          <a:p>
-            <a:r>
-              <a:rPr lang="es-ES" sz="1200" i="1" dirty="0">
-                <a:solidFill>
-                  <a:schemeClr val="tx1">
-                    <a:lumMod val="85000"/>
-                  </a:schemeClr>
-                </a:solidFill>
-                <a:latin typeface="Segoe UI" panose="020B0502040204020203" pitchFamily="34" charset="0"/>
-                <a:cs typeface="Segoe UI" panose="020B0502040204020203" pitchFamily="34" charset="0"/>
-              </a:rPr>
-              <a:t>Repaso de todo lo visto durante la semana</a:t>
-            </a:r>
-          </a:p>
-          <a:p>
-            <a:endParaRPr lang="es-ES" sz="1200" i="1" dirty="0">
-              <a:solidFill>
-                <a:schemeClr val="tx1">
-                  <a:lumMod val="85000"/>
-                </a:schemeClr>
-              </a:solidFill>
-              <a:latin typeface="Segoe UI" panose="020B0502040204020203" pitchFamily="34" charset="0"/>
-              <a:cs typeface="Segoe UI" panose="020B0502040204020203" pitchFamily="34" charset="0"/>
-            </a:endParaRPr>
-          </a:p>
-          <a:p>
-            <a:endParaRPr lang="es-ES" sz="1200" i="1" dirty="0">
-              <a:solidFill>
-                <a:schemeClr val="tx1">
-                  <a:lumMod val="85000"/>
-                </a:schemeClr>
-              </a:solidFill>
-              <a:latin typeface="Segoe UI" panose="020B0502040204020203" pitchFamily="34" charset="0"/>
-              <a:cs typeface="Segoe UI" panose="020B0502040204020203" pitchFamily="34" charset="0"/>
-            </a:endParaRPr>
-          </a:p>
-          <a:p>
-            <a:endParaRPr lang="es-ES" sz="1200" i="1" dirty="0">
-              <a:solidFill>
-                <a:schemeClr val="tx1">
-                  <a:lumMod val="85000"/>
-                </a:schemeClr>
-              </a:solidFill>
-              <a:latin typeface="Segoe UI" panose="020B0502040204020203" pitchFamily="34" charset="0"/>
-              <a:cs typeface="Segoe UI" panose="020B0502040204020203" pitchFamily="34" charset="0"/>
-            </a:endParaRPr>
-          </a:p>
-          <a:p>
-            <a:endParaRPr lang="es-ES" sz="1200" i="1" dirty="0">
-              <a:solidFill>
-                <a:schemeClr val="tx1">
-                  <a:lumMod val="85000"/>
-                </a:schemeClr>
-              </a:solidFill>
-              <a:latin typeface="Segoe UI" panose="020B0502040204020203" pitchFamily="34" charset="0"/>
-              <a:cs typeface="Segoe UI" panose="020B0502040204020203" pitchFamily="34" charset="0"/>
-            </a:endParaRPr>
-          </a:p>
-        </p:txBody>
-      </p:sp>
-      <p:sp>
-        <p:nvSpPr>
-          <p:cNvPr id="8" name="Rectángulo 7">
-            <a:extLst>
-              <a:ext uri="{FF2B5EF4-FFF2-40B4-BE49-F238E27FC236}">
-                <a16:creationId xmlns:a16="http://schemas.microsoft.com/office/drawing/2014/main" id="{5A7BC018-5CBB-4389-B078-CF6A02AC0914}"/>
-              </a:ext>
-            </a:extLst>
-          </p:cNvPr>
-          <p:cNvSpPr/>
-          <p:nvPr/>
-        </p:nvSpPr>
-        <p:spPr>
-          <a:xfrm rot="5400000">
-            <a:off x="5594628" y="3817746"/>
-            <a:ext cx="1002737" cy="28800"/>
-          </a:xfrm>
-          <a:prstGeom prst="rect">
-            <a:avLst/>
-          </a:prstGeom>
-          <a:solidFill>
-            <a:srgbClr val="AA1D16"/>
-          </a:solidFill>
-          <a:ln>
-            <a:noFill/>
-          </a:ln>
-        </p:spPr>
-        <p:style>
-          <a:lnRef idx="2">
-            <a:schemeClr val="accent1">
-              <a:shade val="50000"/>
-            </a:schemeClr>
-          </a:lnRef>
-          <a:fillRef idx="1">
-            <a:schemeClr val="accent1"/>
-          </a:fillRef>
-          <a:effectRef idx="0">
-            <a:schemeClr val="accent1"/>
-          </a:effectRef>
-          <a:fontRef idx="minor">
-            <a:schemeClr val="lt1"/>
-          </a:fontRef>
-        </p:style>
-        <p:txBody>
-          <a:bodyPr rtlCol="0" anchor="ctr"/>
-          <a:lstStyle/>
-          <a:p>
-            <a:pPr algn="ctr"/>
-            <a:endParaRPr lang="es-ES"/>
-          </a:p>
-        </p:txBody>
-      </p:sp>
-      <p:sp>
-        <p:nvSpPr>
-          <p:cNvPr id="9" name="CuadroTexto 8">
-            <a:extLst>
-              <a:ext uri="{FF2B5EF4-FFF2-40B4-BE49-F238E27FC236}">
-                <a16:creationId xmlns:a16="http://schemas.microsoft.com/office/drawing/2014/main" id="{B665E138-013A-4437-82F3-2596E69239C2}"/>
-              </a:ext>
-            </a:extLst>
-          </p:cNvPr>
-          <p:cNvSpPr txBox="1"/>
-          <p:nvPr/>
-        </p:nvSpPr>
-        <p:spPr>
-          <a:xfrm>
-            <a:off x="7417953" y="1872831"/>
+            <a:off x="4281051" y="1797834"/>
             <a:ext cx="3629891" cy="461665"/>
           </a:xfrm>
           <a:prstGeom prst="rect">
@@ -4480,17 +4036,17 @@
                 <a:latin typeface="Segoe UI" panose="020B0502040204020203" pitchFamily="34" charset="0"/>
                 <a:cs typeface="Segoe UI" panose="020B0502040204020203" pitchFamily="34" charset="0"/>
               </a:rPr>
-              <a:t>Aprendido hoy</a:t>
-            </a:r>
-          </a:p>
-        </p:txBody>
-      </p:sp>
-      <p:sp>
-        <p:nvSpPr>
-          <p:cNvPr id="10" name="CuadroTexto 9">
+              <a:t>Resolución de dudas</a:t>
+            </a:r>
+          </a:p>
+        </p:txBody>
+      </p:sp>
+      <p:sp>
+        <p:nvSpPr>
+          <p:cNvPr id="15" name="CuadroTexto 14">
             <a:extLst>
               <a:ext uri="{FF2B5EF4-FFF2-40B4-BE49-F238E27FC236}">
-                <a16:creationId xmlns:a16="http://schemas.microsoft.com/office/drawing/2014/main" id="{18718DD3-D651-4B06-94B2-629E7B78379C}"/>
+                <a16:creationId xmlns:a16="http://schemas.microsoft.com/office/drawing/2014/main" id="{64906C76-0710-455F-84AE-7E2645F3520E}"/>
               </a:ext>
             </a:extLst>
           </p:cNvPr>
@@ -4499,8 +4055,8 @@
         </p:nvSpPr>
         <p:spPr>
           <a:xfrm>
-            <a:off x="6928596" y="2543121"/>
-            <a:ext cx="4763317" cy="1969770"/>
+            <a:off x="7996645" y="1797834"/>
+            <a:ext cx="3629891" cy="461665"/>
           </a:xfrm>
           <a:prstGeom prst="rect">
             <a:avLst/>
@@ -4513,8 +4069,9 @@
           </a:bodyPr>
           <a:lstStyle/>
           <a:p>
-            <a:r>
-              <a:rPr lang="es-ES" sz="1400" b="1" dirty="0">
+            <a:pPr algn="ctr"/>
+            <a:r>
+              <a:rPr lang="es-ES" sz="2400" b="1" dirty="0">
                 <a:solidFill>
                   <a:schemeClr val="tx1">
                     <a:lumMod val="95000"/>
@@ -4523,166 +4080,537 @@
                 <a:latin typeface="Segoe UI" panose="020B0502040204020203" pitchFamily="34" charset="0"/>
                 <a:cs typeface="Segoe UI" panose="020B0502040204020203" pitchFamily="34" charset="0"/>
               </a:rPr>
-              <a:t>Python </a:t>
-            </a:r>
-            <a:r>
-              <a:rPr lang="es-ES" sz="1400" b="1" dirty="0" err="1">
+              <a:t>Cursos online</a:t>
+            </a:r>
+          </a:p>
+        </p:txBody>
+      </p:sp>
+      <p:sp>
+        <p:nvSpPr>
+          <p:cNvPr id="16" name="CuadroTexto 15">
+            <a:extLst>
+              <a:ext uri="{FF2B5EF4-FFF2-40B4-BE49-F238E27FC236}">
+                <a16:creationId xmlns:a16="http://schemas.microsoft.com/office/drawing/2014/main" id="{C5FCF5A1-BBC7-44B9-A41E-22F7E030C2BE}"/>
+              </a:ext>
+            </a:extLst>
+          </p:cNvPr>
+          <p:cNvSpPr txBox="1"/>
+          <p:nvPr/>
+        </p:nvSpPr>
+        <p:spPr>
+          <a:xfrm>
+            <a:off x="4662083" y="2398605"/>
+            <a:ext cx="3005915" cy="2308324"/>
+          </a:xfrm>
+          <a:prstGeom prst="rect">
+            <a:avLst/>
+          </a:prstGeom>
+          <a:noFill/>
+        </p:spPr>
+        <p:txBody>
+          <a:bodyPr wrap="square" rtlCol="0">
+            <a:spAutoFit/>
+          </a:bodyPr>
+          <a:lstStyle/>
+          <a:p>
+            <a:pPr algn="ctr"/>
+            <a:r>
+              <a:rPr lang="es-ES" sz="1600" dirty="0">
                 <a:solidFill>
                   <a:schemeClr val="tx1">
                     <a:lumMod val="95000"/>
                   </a:schemeClr>
                 </a:solidFill>
-                <a:latin typeface="Segoe UI" panose="020B0502040204020203" pitchFamily="34" charset="0"/>
-                <a:cs typeface="Segoe UI" panose="020B0502040204020203" pitchFamily="34" charset="0"/>
               </a:rPr>
-              <a:t>Basics</a:t>
-            </a:r>
-            <a:r>
-              <a:rPr lang="es-ES" sz="1400" b="1" dirty="0">
+              <a:t>Página de comunidad de resolución de dudas</a:t>
+            </a:r>
+            <a:endParaRPr lang="es-ES" sz="1600" dirty="0">
+              <a:solidFill>
+                <a:schemeClr val="tx1">
+                  <a:lumMod val="95000"/>
+                </a:schemeClr>
+              </a:solidFill>
+              <a:hlinkClick r:id="rId3">
+                <a:extLst>
+                  <a:ext uri="{A12FA001-AC4F-418D-AE19-62706E023703}">
+                    <ahyp:hlinkClr xmlns:ahyp="http://schemas.microsoft.com/office/drawing/2018/hyperlinkcolor" val="tx"/>
+                  </a:ext>
+                </a:extLst>
+              </a:hlinkClick>
+            </a:endParaRPr>
+          </a:p>
+          <a:p>
+            <a:pPr algn="ctr"/>
+            <a:r>
+              <a:rPr lang="es-ES" sz="1600" dirty="0">
+                <a:solidFill>
+                  <a:schemeClr val="accent4">
+                    <a:lumMod val="60000"/>
+                    <a:lumOff val="40000"/>
+                  </a:schemeClr>
+                </a:solidFill>
+                <a:hlinkClick r:id="rId3">
+                  <a:extLst>
+                    <a:ext uri="{A12FA001-AC4F-418D-AE19-62706E023703}">
+                      <ahyp:hlinkClr xmlns:ahyp="http://schemas.microsoft.com/office/drawing/2018/hyperlinkcolor" val="tx"/>
+                    </a:ext>
+                  </a:extLst>
+                </a:hlinkClick>
+              </a:rPr>
+              <a:t>https://stackoverflow.com/</a:t>
+            </a:r>
+            <a:endParaRPr lang="es-ES" sz="1600" dirty="0">
+              <a:solidFill>
+                <a:schemeClr val="accent4">
+                  <a:lumMod val="60000"/>
+                  <a:lumOff val="40000"/>
+                </a:schemeClr>
+              </a:solidFill>
+            </a:endParaRPr>
+          </a:p>
+          <a:p>
+            <a:pPr algn="ctr"/>
+            <a:endParaRPr lang="es-ES" sz="1600" dirty="0">
+              <a:solidFill>
+                <a:schemeClr val="accent4">
+                  <a:lumMod val="60000"/>
+                  <a:lumOff val="40000"/>
+                </a:schemeClr>
+              </a:solidFill>
+            </a:endParaRPr>
+          </a:p>
+          <a:p>
+            <a:pPr algn="ctr"/>
+            <a:endParaRPr lang="es-ES" sz="1600" dirty="0">
+              <a:solidFill>
+                <a:schemeClr val="accent4">
+                  <a:lumMod val="60000"/>
+                  <a:lumOff val="40000"/>
+                </a:schemeClr>
+              </a:solidFill>
+            </a:endParaRPr>
+          </a:p>
+          <a:p>
+            <a:pPr algn="ctr"/>
+            <a:r>
+              <a:rPr lang="es-ES" sz="1600" dirty="0">
                 <a:solidFill>
                   <a:schemeClr val="tx1">
                     <a:lumMod val="95000"/>
                   </a:schemeClr>
                 </a:solidFill>
-                <a:latin typeface="Segoe UI" panose="020B0502040204020203" pitchFamily="34" charset="0"/>
-                <a:cs typeface="Segoe UI" panose="020B0502040204020203" pitchFamily="34" charset="0"/>
               </a:rPr>
-              <a:t> II</a:t>
-            </a:r>
-          </a:p>
-          <a:p>
-            <a:r>
-              <a:rPr lang="es-ES" sz="1200" i="1" dirty="0">
+              <a:t>Siempre encontrarás a alguien que se ha topado con el mismo error que tu</a:t>
+            </a:r>
+          </a:p>
+          <a:p>
+            <a:pPr algn="ctr"/>
+            <a:r>
+              <a:rPr lang="es-ES" sz="1600" dirty="0">
+                <a:solidFill>
+                  <a:schemeClr val="accent4">
+                    <a:lumMod val="60000"/>
+                    <a:lumOff val="40000"/>
+                  </a:schemeClr>
+                </a:solidFill>
+                <a:hlinkClick r:id="rId4">
+                  <a:extLst>
+                    <a:ext uri="{A12FA001-AC4F-418D-AE19-62706E023703}">
+                      <ahyp:hlinkClr xmlns:ahyp="http://schemas.microsoft.com/office/drawing/2018/hyperlinkcolor" val="tx"/>
+                    </a:ext>
+                  </a:extLst>
+                </a:hlinkClick>
+              </a:rPr>
+              <a:t>https://www.google.es/</a:t>
+            </a:r>
+            <a:endParaRPr lang="es-ES" sz="1600" dirty="0">
+              <a:solidFill>
+                <a:schemeClr val="accent4">
+                  <a:lumMod val="60000"/>
+                  <a:lumOff val="40000"/>
+                </a:schemeClr>
+              </a:solidFill>
+            </a:endParaRPr>
+          </a:p>
+        </p:txBody>
+      </p:sp>
+      <p:sp>
+        <p:nvSpPr>
+          <p:cNvPr id="17" name="Rectángulo 16">
+            <a:extLst>
+              <a:ext uri="{FF2B5EF4-FFF2-40B4-BE49-F238E27FC236}">
+                <a16:creationId xmlns:a16="http://schemas.microsoft.com/office/drawing/2014/main" id="{83B7C1C1-9141-4828-9C59-888402AB40F9}"/>
+              </a:ext>
+            </a:extLst>
+          </p:cNvPr>
+          <p:cNvSpPr/>
+          <p:nvPr/>
+        </p:nvSpPr>
+        <p:spPr>
+          <a:xfrm>
+            <a:off x="235705" y="2259499"/>
+            <a:ext cx="3825278" cy="2308324"/>
+          </a:xfrm>
+          <a:prstGeom prst="rect">
+            <a:avLst/>
+          </a:prstGeom>
+        </p:spPr>
+        <p:txBody>
+          <a:bodyPr wrap="none">
+            <a:spAutoFit/>
+          </a:bodyPr>
+          <a:lstStyle/>
+          <a:p>
+            <a:pPr algn="ctr"/>
+            <a:r>
+              <a:rPr lang="es-ES" sz="1600" dirty="0">
+                <a:solidFill>
+                  <a:schemeClr val="accent4">
+                    <a:lumMod val="60000"/>
+                    <a:lumOff val="40000"/>
+                  </a:schemeClr>
+                </a:solidFill>
+                <a:hlinkClick r:id="rId5">
+                  <a:extLst>
+                    <a:ext uri="{A12FA001-AC4F-418D-AE19-62706E023703}">
+                      <ahyp:hlinkClr xmlns:ahyp="http://schemas.microsoft.com/office/drawing/2018/hyperlinkcolor" val="tx"/>
+                    </a:ext>
+                  </a:extLst>
+                </a:hlinkClick>
+              </a:rPr>
+              <a:t>https://www.python.org/doc/</a:t>
+            </a:r>
+            <a:endParaRPr lang="es-ES" sz="1600" dirty="0">
+              <a:solidFill>
+                <a:schemeClr val="accent4">
+                  <a:lumMod val="60000"/>
+                  <a:lumOff val="40000"/>
+                </a:schemeClr>
+              </a:solidFill>
+            </a:endParaRPr>
+          </a:p>
+          <a:p>
+            <a:pPr algn="ctr"/>
+            <a:endParaRPr lang="es-ES" sz="1600" dirty="0">
+              <a:solidFill>
+                <a:schemeClr val="accent4">
+                  <a:lumMod val="60000"/>
+                  <a:lumOff val="40000"/>
+                </a:schemeClr>
+              </a:solidFill>
+            </a:endParaRPr>
+          </a:p>
+          <a:p>
+            <a:pPr algn="ctr"/>
+            <a:r>
+              <a:rPr lang="es-ES" sz="1600" dirty="0">
+                <a:solidFill>
+                  <a:schemeClr val="accent4">
+                    <a:lumMod val="60000"/>
+                    <a:lumOff val="40000"/>
+                  </a:schemeClr>
+                </a:solidFill>
+                <a:hlinkClick r:id="rId6">
+                  <a:extLst>
+                    <a:ext uri="{A12FA001-AC4F-418D-AE19-62706E023703}">
+                      <ahyp:hlinkClr xmlns:ahyp="http://schemas.microsoft.com/office/drawing/2018/hyperlinkcolor" val="tx"/>
+                    </a:ext>
+                  </a:extLst>
+                </a:hlinkClick>
+              </a:rPr>
+              <a:t>https://devguide.python.org/documenting/</a:t>
+            </a:r>
+            <a:endParaRPr lang="es-ES" sz="1600" dirty="0">
+              <a:solidFill>
+                <a:schemeClr val="accent4">
+                  <a:lumMod val="60000"/>
+                  <a:lumOff val="40000"/>
+                </a:schemeClr>
+              </a:solidFill>
+            </a:endParaRPr>
+          </a:p>
+          <a:p>
+            <a:pPr algn="ctr"/>
+            <a:endParaRPr lang="es-ES" sz="1600" dirty="0">
+              <a:solidFill>
+                <a:schemeClr val="accent4">
+                  <a:lumMod val="60000"/>
+                  <a:lumOff val="40000"/>
+                </a:schemeClr>
+              </a:solidFill>
+            </a:endParaRPr>
+          </a:p>
+          <a:p>
+            <a:pPr algn="ctr"/>
+            <a:r>
+              <a:rPr lang="es-ES" sz="1600" dirty="0">
                 <a:solidFill>
                   <a:schemeClr val="tx1">
-                    <a:lumMod val="85000"/>
+                    <a:lumMod val="95000"/>
                   </a:schemeClr>
                 </a:solidFill>
-                <a:latin typeface="Segoe UI" panose="020B0502040204020203" pitchFamily="34" charset="0"/>
-                <a:cs typeface="Segoe UI" panose="020B0502040204020203" pitchFamily="34" charset="0"/>
               </a:rPr>
-              <a:t>Operaciones con Python</a:t>
-            </a:r>
-          </a:p>
-          <a:p>
-            <a:r>
-              <a:rPr lang="es-ES" sz="1200" i="1" dirty="0">
+              <a:t>Buenos tutoriales y artículos</a:t>
+            </a:r>
+          </a:p>
+          <a:p>
+            <a:pPr algn="ctr"/>
+            <a:r>
+              <a:rPr lang="es-ES" sz="1600" dirty="0">
+                <a:solidFill>
+                  <a:schemeClr val="accent4">
+                    <a:lumMod val="60000"/>
+                    <a:lumOff val="40000"/>
+                  </a:schemeClr>
+                </a:solidFill>
+                <a:hlinkClick r:id="rId7">
+                  <a:extLst>
+                    <a:ext uri="{A12FA001-AC4F-418D-AE19-62706E023703}">
+                      <ahyp:hlinkClr xmlns:ahyp="http://schemas.microsoft.com/office/drawing/2018/hyperlinkcolor" val="tx"/>
+                    </a:ext>
+                  </a:extLst>
+                </a:hlinkClick>
+              </a:rPr>
+              <a:t>https://realpython.com/</a:t>
+            </a:r>
+            <a:endParaRPr lang="es-ES" sz="1600" dirty="0">
+              <a:solidFill>
+                <a:schemeClr val="accent4">
+                  <a:lumMod val="60000"/>
+                  <a:lumOff val="40000"/>
+                </a:schemeClr>
+              </a:solidFill>
+            </a:endParaRPr>
+          </a:p>
+          <a:p>
+            <a:pPr algn="ctr"/>
+            <a:endParaRPr lang="es-ES" sz="1600" dirty="0">
+              <a:solidFill>
+                <a:schemeClr val="accent4">
+                  <a:lumMod val="60000"/>
+                  <a:lumOff val="40000"/>
+                </a:schemeClr>
+              </a:solidFill>
+            </a:endParaRPr>
+          </a:p>
+          <a:p>
+            <a:pPr algn="ctr"/>
+            <a:r>
+              <a:rPr lang="es-ES" sz="1600" dirty="0">
                 <a:solidFill>
                   <a:schemeClr val="tx1">
-                    <a:lumMod val="85000"/>
+                    <a:lumMod val="95000"/>
                   </a:schemeClr>
                 </a:solidFill>
-                <a:latin typeface="Segoe UI" panose="020B0502040204020203" pitchFamily="34" charset="0"/>
-                <a:cs typeface="Segoe UI" panose="020B0502040204020203" pitchFamily="34" charset="0"/>
               </a:rPr>
-              <a:t>Construir y ordenar listas</a:t>
-            </a:r>
-          </a:p>
-          <a:p>
-            <a:r>
-              <a:rPr lang="es-ES" sz="1200" i="1" dirty="0">
+              <a:t>Suele tener muy buenos artículos</a:t>
+            </a:r>
+          </a:p>
+          <a:p>
+            <a:pPr algn="ctr"/>
+            <a:r>
+              <a:rPr lang="es-ES" sz="1600" dirty="0">
                 <a:solidFill>
-                  <a:schemeClr val="tx1">
-                    <a:lumMod val="85000"/>
+                  <a:schemeClr val="accent4">
+                    <a:lumMod val="60000"/>
+                    <a:lumOff val="40000"/>
                   </a:schemeClr>
                 </a:solidFill>
-                <a:latin typeface="Segoe UI" panose="020B0502040204020203" pitchFamily="34" charset="0"/>
-                <a:cs typeface="Segoe UI" panose="020B0502040204020203" pitchFamily="34" charset="0"/>
+                <a:hlinkClick r:id="rId8">
+                  <a:extLst>
+                    <a:ext uri="{A12FA001-AC4F-418D-AE19-62706E023703}">
+                      <ahyp:hlinkClr xmlns:ahyp="http://schemas.microsoft.com/office/drawing/2018/hyperlinkcolor" val="tx"/>
+                    </a:ext>
+                  </a:extLst>
+                </a:hlinkClick>
               </a:rPr>
-              <a:t>Cómo escribir un programa mediante la sintaxis en línea de Python</a:t>
-            </a:r>
-          </a:p>
-          <a:p>
-            <a:r>
-              <a:rPr lang="es-ES" sz="1200" i="1" dirty="0">
+              <a:t>https://medium.com/</a:t>
+            </a:r>
+            <a:endParaRPr lang="es-ES" sz="1600" dirty="0">
+              <a:solidFill>
+                <a:schemeClr val="accent4">
+                  <a:lumMod val="60000"/>
+                  <a:lumOff val="40000"/>
+                </a:schemeClr>
+              </a:solidFill>
+            </a:endParaRPr>
+          </a:p>
+        </p:txBody>
+      </p:sp>
+      <p:sp>
+        <p:nvSpPr>
+          <p:cNvPr id="3" name="CuadroTexto 2">
+            <a:extLst>
+              <a:ext uri="{FF2B5EF4-FFF2-40B4-BE49-F238E27FC236}">
+                <a16:creationId xmlns:a16="http://schemas.microsoft.com/office/drawing/2014/main" id="{1AB50C60-E696-40CA-B00E-BCF8FBD3DC0B}"/>
+              </a:ext>
+            </a:extLst>
+          </p:cNvPr>
+          <p:cNvSpPr txBox="1"/>
+          <p:nvPr/>
+        </p:nvSpPr>
+        <p:spPr>
+          <a:xfrm>
+            <a:off x="8358380" y="2398605"/>
+            <a:ext cx="2906419" cy="1846659"/>
+          </a:xfrm>
+          <a:prstGeom prst="rect">
+            <a:avLst/>
+          </a:prstGeom>
+          <a:noFill/>
+        </p:spPr>
+        <p:txBody>
+          <a:bodyPr wrap="square" rtlCol="0">
+            <a:spAutoFit/>
+          </a:bodyPr>
+          <a:lstStyle/>
+          <a:p>
+            <a:pPr algn="ctr"/>
+            <a:r>
+              <a:rPr lang="es-ES" sz="1600" dirty="0">
                 <a:solidFill>
-                  <a:schemeClr val="tx1">
-                    <a:lumMod val="85000"/>
+                  <a:schemeClr val="accent4">
+                    <a:lumMod val="60000"/>
+                    <a:lumOff val="40000"/>
                   </a:schemeClr>
                 </a:solidFill>
-                <a:latin typeface="Segoe UI" panose="020B0502040204020203" pitchFamily="34" charset="0"/>
-                <a:cs typeface="Segoe UI" panose="020B0502040204020203" pitchFamily="34" charset="0"/>
+                <a:hlinkClick r:id="rId9">
+                  <a:extLst>
+                    <a:ext uri="{A12FA001-AC4F-418D-AE19-62706E023703}">
+                      <ahyp:hlinkClr xmlns:ahyp="http://schemas.microsoft.com/office/drawing/2018/hyperlinkcolor" val="tx"/>
+                    </a:ext>
+                  </a:extLst>
+                </a:hlinkClick>
               </a:rPr>
-              <a:t>Funciones y métodos </a:t>
-            </a:r>
-            <a:r>
-              <a:rPr lang="es-ES" sz="1200" i="1" dirty="0" err="1">
+              <a:t>https://www.edx.org/search</a:t>
+            </a:r>
+            <a:endParaRPr lang="es-ES" sz="1600" dirty="0">
+              <a:solidFill>
+                <a:schemeClr val="accent4">
+                  <a:lumMod val="60000"/>
+                  <a:lumOff val="40000"/>
+                </a:schemeClr>
+              </a:solidFill>
+            </a:endParaRPr>
+          </a:p>
+          <a:p>
+            <a:pPr algn="ctr"/>
+            <a:endParaRPr lang="es-ES" sz="1600" dirty="0">
+              <a:solidFill>
+                <a:schemeClr val="accent4">
+                  <a:lumMod val="60000"/>
+                  <a:lumOff val="40000"/>
+                </a:schemeClr>
+              </a:solidFill>
+            </a:endParaRPr>
+          </a:p>
+          <a:p>
+            <a:pPr algn="ctr"/>
+            <a:r>
+              <a:rPr lang="es-ES" sz="1600" dirty="0">
                 <a:solidFill>
-                  <a:schemeClr val="tx1">
-                    <a:lumMod val="85000"/>
+                  <a:schemeClr val="accent4">
+                    <a:lumMod val="60000"/>
+                    <a:lumOff val="40000"/>
                   </a:schemeClr>
                 </a:solidFill>
-                <a:latin typeface="Segoe UI" panose="020B0502040204020203" pitchFamily="34" charset="0"/>
-                <a:cs typeface="Segoe UI" panose="020B0502040204020203" pitchFamily="34" charset="0"/>
+                <a:hlinkClick r:id="rId10">
+                  <a:extLst>
+                    <a:ext uri="{A12FA001-AC4F-418D-AE19-62706E023703}">
+                      <ahyp:hlinkClr xmlns:ahyp="http://schemas.microsoft.com/office/drawing/2018/hyperlinkcolor" val="tx"/>
+                    </a:ext>
+                  </a:extLst>
+                </a:hlinkClick>
               </a:rPr>
-              <a:t>built</a:t>
-            </a:r>
-            <a:r>
-              <a:rPr lang="es-ES" sz="1200" i="1" dirty="0">
+              <a:t>https://www.udemy.com/</a:t>
+            </a:r>
+            <a:endParaRPr lang="es-ES" sz="1600" dirty="0">
+              <a:solidFill>
+                <a:schemeClr val="accent4">
+                  <a:lumMod val="60000"/>
+                  <a:lumOff val="40000"/>
+                </a:schemeClr>
+              </a:solidFill>
+            </a:endParaRPr>
+          </a:p>
+          <a:p>
+            <a:pPr algn="ctr"/>
+            <a:endParaRPr lang="es-ES" sz="1600" dirty="0">
+              <a:solidFill>
+                <a:schemeClr val="accent4">
+                  <a:lumMod val="60000"/>
+                  <a:lumOff val="40000"/>
+                </a:schemeClr>
+              </a:solidFill>
+            </a:endParaRPr>
+          </a:p>
+          <a:p>
+            <a:pPr algn="ctr"/>
+            <a:r>
+              <a:rPr lang="es-ES" sz="1600" dirty="0">
                 <a:solidFill>
-                  <a:schemeClr val="tx1">
-                    <a:lumMod val="85000"/>
+                  <a:schemeClr val="accent4">
+                    <a:lumMod val="60000"/>
+                    <a:lumOff val="40000"/>
                   </a:schemeClr>
                 </a:solidFill>
-                <a:latin typeface="Segoe UI" panose="020B0502040204020203" pitchFamily="34" charset="0"/>
-                <a:cs typeface="Segoe UI" panose="020B0502040204020203" pitchFamily="34" charset="0"/>
+                <a:hlinkClick r:id="rId11">
+                  <a:extLst>
+                    <a:ext uri="{A12FA001-AC4F-418D-AE19-62706E023703}">
+                      <ahyp:hlinkClr xmlns:ahyp="http://schemas.microsoft.com/office/drawing/2018/hyperlinkcolor" val="tx"/>
+                    </a:ext>
+                  </a:extLst>
+                </a:hlinkClick>
               </a:rPr>
-              <a:t>-in</a:t>
-            </a:r>
-          </a:p>
-          <a:p>
-            <a:endParaRPr lang="es-ES" sz="1200" i="1" dirty="0">
+              <a:t>https://es.coursera.org/</a:t>
+            </a:r>
+            <a:endParaRPr lang="es-ES" sz="1600" dirty="0">
               <a:solidFill>
-                <a:schemeClr val="tx1">
-                  <a:lumMod val="85000"/>
+                <a:schemeClr val="accent4">
+                  <a:lumMod val="60000"/>
+                  <a:lumOff val="40000"/>
                 </a:schemeClr>
               </a:solidFill>
-              <a:latin typeface="Segoe UI" panose="020B0502040204020203" pitchFamily="34" charset="0"/>
-              <a:cs typeface="Segoe UI" panose="020B0502040204020203" pitchFamily="34" charset="0"/>
             </a:endParaRPr>
           </a:p>
           <a:p>
-            <a:endParaRPr lang="es-ES" sz="1200" i="1" dirty="0">
+            <a:pPr algn="ctr"/>
+            <a:endParaRPr lang="es-ES" sz="1600" dirty="0">
               <a:solidFill>
-                <a:schemeClr val="tx1">
-                  <a:lumMod val="85000"/>
+                <a:schemeClr val="accent4">
+                  <a:lumMod val="60000"/>
+                  <a:lumOff val="40000"/>
                 </a:schemeClr>
               </a:solidFill>
-              <a:latin typeface="Segoe UI" panose="020B0502040204020203" pitchFamily="34" charset="0"/>
-              <a:cs typeface="Segoe UI" panose="020B0502040204020203" pitchFamily="34" charset="0"/>
             </a:endParaRPr>
           </a:p>
           <a:p>
-            <a:endParaRPr lang="es-ES" sz="1200" i="1" dirty="0">
+            <a:pPr algn="ctr"/>
+            <a:r>
+              <a:rPr lang="es-ES" sz="1600" dirty="0">
+                <a:solidFill>
+                  <a:schemeClr val="accent4">
+                    <a:lumMod val="60000"/>
+                    <a:lumOff val="40000"/>
+                  </a:schemeClr>
+                </a:solidFill>
+                <a:hlinkClick r:id="rId12">
+                  <a:extLst>
+                    <a:ext uri="{A12FA001-AC4F-418D-AE19-62706E023703}">
+                      <ahyp:hlinkClr xmlns:ahyp="http://schemas.microsoft.com/office/drawing/2018/hyperlinkcolor" val="tx"/>
+                    </a:ext>
+                  </a:extLst>
+                </a:hlinkClick>
+              </a:rPr>
+              <a:t>https://miriadax.net/home</a:t>
+            </a:r>
+            <a:endParaRPr lang="es-ES" sz="1600" dirty="0">
               <a:solidFill>
-                <a:schemeClr val="tx1">
-                  <a:lumMod val="85000"/>
+                <a:schemeClr val="accent4">
+                  <a:lumMod val="60000"/>
+                  <a:lumOff val="40000"/>
                 </a:schemeClr>
               </a:solidFill>
-              <a:latin typeface="Segoe UI" panose="020B0502040204020203" pitchFamily="34" charset="0"/>
-              <a:cs typeface="Segoe UI" panose="020B0502040204020203" pitchFamily="34" charset="0"/>
-            </a:endParaRPr>
-          </a:p>
-          <a:p>
-            <a:endParaRPr lang="es-ES" sz="1200" i="1" dirty="0">
-              <a:solidFill>
-                <a:schemeClr val="tx1">
-                  <a:lumMod val="85000"/>
-                </a:schemeClr>
-              </a:solidFill>
-              <a:latin typeface="Segoe UI" panose="020B0502040204020203" pitchFamily="34" charset="0"/>
-              <a:cs typeface="Segoe UI" panose="020B0502040204020203" pitchFamily="34" charset="0"/>
-            </a:endParaRPr>
-          </a:p>
-          <a:p>
-            <a:endParaRPr lang="es-ES" sz="1200" i="1" dirty="0">
-              <a:solidFill>
-                <a:schemeClr val="tx1">
-                  <a:lumMod val="85000"/>
-                </a:schemeClr>
-              </a:solidFill>
-              <a:latin typeface="Segoe UI" panose="020B0502040204020203" pitchFamily="34" charset="0"/>
-              <a:cs typeface="Segoe UI" panose="020B0502040204020203" pitchFamily="34" charset="0"/>
             </a:endParaRPr>
           </a:p>
         </p:txBody>
@@ -4690,7 +4618,7 @@
     </p:spTree>
     <p:extLst>
       <p:ext uri="{BB962C8B-B14F-4D97-AF65-F5344CB8AC3E}">
-        <p14:creationId xmlns:p14="http://schemas.microsoft.com/office/powerpoint/2010/main" val="1968680165"/>
+        <p14:creationId xmlns:p14="http://schemas.microsoft.com/office/powerpoint/2010/main" val="1138136944"/>
       </p:ext>
     </p:extLst>
   </p:cSld>
@@ -4722,7 +4650,7 @@
           <p:cNvPr id="2" name="Título 1">
             <a:extLst>
               <a:ext uri="{FF2B5EF4-FFF2-40B4-BE49-F238E27FC236}">
-                <a16:creationId xmlns:a16="http://schemas.microsoft.com/office/drawing/2014/main" id="{EFAF60C0-537A-48CB-BD3F-E731CE930EE4}"/>
+                <a16:creationId xmlns:a16="http://schemas.microsoft.com/office/drawing/2014/main" id="{29AD312E-A932-4A82-8095-D4D6A8D85D71}"/>
               </a:ext>
             </a:extLst>
           </p:cNvPr>
@@ -4733,10 +4661,38 @@
             <p:ph type="title"/>
           </p:nvPr>
         </p:nvSpPr>
+        <p:spPr/>
+        <p:txBody>
+          <a:bodyPr/>
+          <a:lstStyle/>
+          <a:p>
+            <a:r>
+              <a:rPr lang="es-ES" dirty="0"/>
+              <a:t>Buscar errores</a:t>
+            </a:r>
+          </a:p>
+        </p:txBody>
+      </p:sp>
+      <p:sp>
+        <p:nvSpPr>
+          <p:cNvPr id="3" name="Marcador de contenido 2">
+            <a:extLst>
+              <a:ext uri="{FF2B5EF4-FFF2-40B4-BE49-F238E27FC236}">
+                <a16:creationId xmlns:a16="http://schemas.microsoft.com/office/drawing/2014/main" id="{45CCF89F-6709-41CC-B3C6-C95FBCA50469}"/>
+              </a:ext>
+            </a:extLst>
+          </p:cNvPr>
+          <p:cNvSpPr>
+            <a:spLocks noGrp="1"/>
+          </p:cNvSpPr>
+          <p:nvPr>
+            <p:ph idx="1"/>
+          </p:nvPr>
+        </p:nvSpPr>
         <p:spPr>
           <a:xfrm>
-            <a:off x="2959098" y="746176"/>
-            <a:ext cx="6273801" cy="619270"/>
+            <a:off x="838199" y="1825625"/>
+            <a:ext cx="10617485" cy="4351338"/>
           </a:xfrm>
         </p:spPr>
         <p:txBody>
@@ -4745,75 +4701,128 @@
           </a:bodyPr>
           <a:lstStyle/>
           <a:p>
-            <a:pPr algn="ctr"/>
-            <a:r>
-              <a:rPr lang="es-ES" sz="3600" dirty="0">
-                <a:latin typeface="Segoe UI" panose="020B0502040204020203" pitchFamily="34" charset="0"/>
-                <a:cs typeface="Segoe UI" panose="020B0502040204020203" pitchFamily="34" charset="0"/>
-              </a:rPr>
-              <a:t>Links interesantes</a:t>
-            </a:r>
-          </a:p>
-        </p:txBody>
-      </p:sp>
-      <p:sp>
-        <p:nvSpPr>
-          <p:cNvPr id="5" name="Rectángulo 4">
+            <a:r>
+              <a:rPr lang="es-ES" sz="2400" dirty="0"/>
+              <a:t>Si tenemos claro donde resolverlo dentro de la documentación que manejamos, perfecto</a:t>
+            </a:r>
+          </a:p>
+          <a:p>
+            <a:r>
+              <a:rPr lang="es-ES" sz="2400" dirty="0"/>
+              <a:t>Si no, Google</a:t>
+            </a:r>
+          </a:p>
+          <a:p>
+            <a:r>
+              <a:rPr lang="es-ES" sz="2400" dirty="0"/>
+              <a:t>Buscar en inglés</a:t>
+            </a:r>
+          </a:p>
+          <a:p>
+            <a:r>
+              <a:rPr lang="es-ES" sz="2400" dirty="0"/>
+              <a:t>Si lo que buscamos es en Python, lo mejor es poner Python como primera palabra en la búsqueda.</a:t>
+            </a:r>
+          </a:p>
+          <a:p>
+            <a:r>
+              <a:rPr lang="es-ES" sz="2400" dirty="0"/>
+              <a:t>Si necesitamos algo de una librería en concreto, por ejemplo de pandas, no hace falta escribir Python, ya que Google “entiende” que estás buscando algo de Python.</a:t>
+            </a:r>
+          </a:p>
+          <a:p>
+            <a:r>
+              <a:rPr lang="es-ES" sz="2400" dirty="0"/>
+              <a:t>Ante la duda, </a:t>
+            </a:r>
+            <a:r>
+              <a:rPr lang="es-ES" sz="2400" b="1" u="sng" dirty="0" err="1"/>
+              <a:t>stackoverflow</a:t>
+            </a:r>
+            <a:endParaRPr lang="es-ES" sz="2400" b="1" u="sng" dirty="0"/>
+          </a:p>
+        </p:txBody>
+      </p:sp>
+    </p:spTree>
+    <p:extLst>
+      <p:ext uri="{BB962C8B-B14F-4D97-AF65-F5344CB8AC3E}">
+        <p14:creationId xmlns:p14="http://schemas.microsoft.com/office/powerpoint/2010/main" val="402851502"/>
+      </p:ext>
+    </p:extLst>
+  </p:cSld>
+  <p:clrMapOvr>
+    <a:masterClrMapping/>
+  </p:clrMapOvr>
+</p:sld>
+</file>
+
+<file path=ppt/slides/slide4.xml><?xml version="1.0" encoding="utf-8"?>
+<p:sld xmlns:a="http://schemas.openxmlformats.org/drawingml/2006/main" xmlns:r="http://schemas.openxmlformats.org/officeDocument/2006/relationships" xmlns:p="http://schemas.openxmlformats.org/presentationml/2006/main">
+  <p:cSld>
+    <p:spTree>
+      <p:nvGrpSpPr>
+        <p:cNvPr id="1" name=""/>
+        <p:cNvGrpSpPr/>
+        <p:nvPr/>
+      </p:nvGrpSpPr>
+      <p:grpSpPr>
+        <a:xfrm>
+          <a:off x="0" y="0"/>
+          <a:ext cx="0" cy="0"/>
+          <a:chOff x="0" y="0"/>
+          <a:chExt cx="0" cy="0"/>
+        </a:xfrm>
+      </p:grpSpPr>
+      <p:sp>
+        <p:nvSpPr>
+          <p:cNvPr id="3" name="Marcador de contenido 2">
             <a:extLst>
               <a:ext uri="{FF2B5EF4-FFF2-40B4-BE49-F238E27FC236}">
-                <a16:creationId xmlns:a16="http://schemas.microsoft.com/office/drawing/2014/main" id="{8D76FE26-75C5-4AEA-BC44-D572080FD826}"/>
+                <a16:creationId xmlns:a16="http://schemas.microsoft.com/office/drawing/2014/main" id="{4A75A277-946E-4125-BC1B-9BA66C0ACE8F}"/>
               </a:ext>
             </a:extLst>
           </p:cNvPr>
-          <p:cNvSpPr/>
-          <p:nvPr/>
+          <p:cNvSpPr>
+            <a:spLocks noGrp="1"/>
+          </p:cNvSpPr>
+          <p:nvPr>
+            <p:ph idx="1"/>
+          </p:nvPr>
         </p:nvSpPr>
         <p:spPr>
           <a:xfrm>
-            <a:off x="4523997" y="1329446"/>
-            <a:ext cx="3144001" cy="36000"/>
+            <a:off x="542346" y="940142"/>
+            <a:ext cx="9836649" cy="777027"/>
           </a:xfrm>
-          <a:prstGeom prst="rect">
-            <a:avLst/>
-          </a:prstGeom>
-          <a:solidFill>
-            <a:srgbClr val="AA1D16"/>
-          </a:solidFill>
-          <a:ln>
-            <a:noFill/>
-          </a:ln>
         </p:spPr>
-        <p:style>
-          <a:lnRef idx="2">
-            <a:schemeClr val="accent1">
-              <a:shade val="50000"/>
-            </a:schemeClr>
-          </a:lnRef>
-          <a:fillRef idx="1">
-            <a:schemeClr val="accent1"/>
-          </a:fillRef>
-          <a:effectRef idx="0">
-            <a:schemeClr val="accent1"/>
-          </a:effectRef>
-          <a:fontRef idx="minor">
-            <a:schemeClr val="lt1"/>
-          </a:fontRef>
-        </p:style>
-        <p:txBody>
-          <a:bodyPr rtlCol="0" anchor="ctr"/>
-          <a:lstStyle/>
-          <a:p>
-            <a:pPr algn="ctr"/>
-            <a:endParaRPr lang="es-ES"/>
+        <p:txBody>
+          <a:bodyPr/>
+          <a:lstStyle/>
+          <a:p>
+            <a:pPr marL="0" indent="0">
+              <a:buNone/>
+            </a:pPr>
+            <a:r>
+              <a:rPr lang="es-ES" dirty="0"/>
+              <a:t>En este ejemplo, busco cómo leer un </a:t>
+            </a:r>
+            <a:r>
+              <a:rPr lang="es-ES" dirty="0" err="1"/>
+              <a:t>csv</a:t>
+            </a:r>
+            <a:r>
+              <a:rPr lang="es-ES" dirty="0"/>
+              <a:t> en Python</a:t>
+            </a:r>
           </a:p>
         </p:txBody>
       </p:sp>
       <p:pic>
         <p:nvPicPr>
-          <p:cNvPr id="6" name="Imagen 5">
+          <p:cNvPr id="4" name="Imagen 3">
             <a:extLst>
               <a:ext uri="{FF2B5EF4-FFF2-40B4-BE49-F238E27FC236}">
-                <a16:creationId xmlns:a16="http://schemas.microsoft.com/office/drawing/2014/main" id="{C740B9FC-A578-4356-89A2-C6ADD296D905}"/>
+                <a16:creationId xmlns:a16="http://schemas.microsoft.com/office/drawing/2014/main" id="{70FCD09C-DE04-4E20-8459-8FB02F3995E5}"/>
               </a:ext>
             </a:extLst>
           </p:cNvPr>
@@ -4830,20 +4839,50 @@
         </p:blipFill>
         <p:spPr>
           <a:xfrm>
-            <a:off x="9310255" y="6092361"/>
-            <a:ext cx="2402813" cy="298303"/>
+            <a:off x="542346" y="2075380"/>
+            <a:ext cx="5084468" cy="2229492"/>
           </a:xfrm>
           <a:prstGeom prst="rect">
             <a:avLst/>
           </a:prstGeom>
         </p:spPr>
       </p:pic>
-      <p:sp>
-        <p:nvSpPr>
-          <p:cNvPr id="10" name="CuadroTexto 9">
+      <p:pic>
+        <p:nvPicPr>
+          <p:cNvPr id="5" name="Imagen 4">
             <a:extLst>
               <a:ext uri="{FF2B5EF4-FFF2-40B4-BE49-F238E27FC236}">
-                <a16:creationId xmlns:a16="http://schemas.microsoft.com/office/drawing/2014/main" id="{4F543916-538C-47A9-8F56-5F7269D100C6}"/>
+                <a16:creationId xmlns:a16="http://schemas.microsoft.com/office/drawing/2014/main" id="{E214E526-185C-4236-8410-37AC53CE5394}"/>
+              </a:ext>
+            </a:extLst>
+          </p:cNvPr>
+          <p:cNvPicPr>
+            <a:picLocks noChangeAspect="1"/>
+          </p:cNvPicPr>
+          <p:nvPr/>
+        </p:nvPicPr>
+        <p:blipFill>
+          <a:blip r:embed="rId3"/>
+          <a:stretch>
+            <a:fillRect/>
+          </a:stretch>
+        </p:blipFill>
+        <p:spPr>
+          <a:xfrm>
+            <a:off x="6248786" y="1955380"/>
+            <a:ext cx="5486400" cy="2524125"/>
+          </a:xfrm>
+          <a:prstGeom prst="rect">
+            <a:avLst/>
+          </a:prstGeom>
+        </p:spPr>
+      </p:pic>
+      <p:sp>
+        <p:nvSpPr>
+          <p:cNvPr id="6" name="CuadroTexto 5">
+            <a:extLst>
+              <a:ext uri="{FF2B5EF4-FFF2-40B4-BE49-F238E27FC236}">
+                <a16:creationId xmlns:a16="http://schemas.microsoft.com/office/drawing/2014/main" id="{BFF8C552-4255-4BA5-81F6-C0EACE29CD8A}"/>
               </a:ext>
             </a:extLst>
           </p:cNvPr>
@@ -4852,8 +4891,8 @@
         </p:nvSpPr>
         <p:spPr>
           <a:xfrm>
-            <a:off x="285766" y="1797834"/>
-            <a:ext cx="3629891" cy="461665"/>
+            <a:off x="842481" y="4931596"/>
+            <a:ext cx="4274049" cy="923330"/>
           </a:xfrm>
           <a:prstGeom prst="rect">
             <a:avLst/>
@@ -4866,28 +4905,27 @@
           </a:bodyPr>
           <a:lstStyle/>
           <a:p>
-            <a:pPr algn="ctr"/>
-            <a:r>
-              <a:rPr lang="es-ES" sz="2400" b="1" dirty="0">
-                <a:solidFill>
-                  <a:schemeClr val="tx1">
-                    <a:lumMod val="95000"/>
-                  </a:schemeClr>
-                </a:solidFill>
-                <a:latin typeface="Segoe UI" panose="020B0502040204020203" pitchFamily="34" charset="0"/>
-                <a:cs typeface="Segoe UI" panose="020B0502040204020203" pitchFamily="34" charset="0"/>
-              </a:rPr>
-              <a:t>Documentación</a:t>
-            </a:r>
-          </a:p>
-        </p:txBody>
-      </p:sp>
-      <p:sp>
-        <p:nvSpPr>
-          <p:cNvPr id="14" name="CuadroTexto 13">
+            <a:r>
+              <a:rPr lang="es-ES" dirty="0"/>
+              <a:t>La pregunta la </a:t>
+            </a:r>
+            <a:r>
+              <a:rPr lang="es-ES" dirty="0" err="1"/>
+              <a:t>puntua</a:t>
+            </a:r>
+            <a:r>
+              <a:rPr lang="es-ES" dirty="0"/>
+              <a:t> la gente. Así nos hacemos a la idea de cuánto de relevante es</a:t>
+            </a:r>
+          </a:p>
+        </p:txBody>
+      </p:sp>
+      <p:sp>
+        <p:nvSpPr>
+          <p:cNvPr id="7" name="CuadroTexto 6">
             <a:extLst>
               <a:ext uri="{FF2B5EF4-FFF2-40B4-BE49-F238E27FC236}">
-                <a16:creationId xmlns:a16="http://schemas.microsoft.com/office/drawing/2014/main" id="{EBEBFD9F-5E76-49FC-8A34-A8E3CE6DD252}"/>
+                <a16:creationId xmlns:a16="http://schemas.microsoft.com/office/drawing/2014/main" id="{E827A829-8C66-44D0-8699-10A62DF11F30}"/>
               </a:ext>
             </a:extLst>
           </p:cNvPr>
@@ -4896,8 +4934,8 @@
         </p:nvSpPr>
         <p:spPr>
           <a:xfrm>
-            <a:off x="4281051" y="1797834"/>
-            <a:ext cx="3629891" cy="461665"/>
+            <a:off x="6359704" y="4834180"/>
+            <a:ext cx="5229546" cy="1477328"/>
           </a:xfrm>
           <a:prstGeom prst="rect">
             <a:avLst/>
@@ -4910,600 +4948,25 @@
           </a:bodyPr>
           <a:lstStyle/>
           <a:p>
-            <a:pPr algn="ctr"/>
-            <a:r>
-              <a:rPr lang="es-ES" sz="2400" b="1" dirty="0">
-                <a:solidFill>
-                  <a:schemeClr val="tx1">
-                    <a:lumMod val="95000"/>
-                  </a:schemeClr>
-                </a:solidFill>
-                <a:latin typeface="Segoe UI" panose="020B0502040204020203" pitchFamily="34" charset="0"/>
-                <a:cs typeface="Segoe UI" panose="020B0502040204020203" pitchFamily="34" charset="0"/>
-              </a:rPr>
-              <a:t>Resolución de dudas</a:t>
-            </a:r>
-          </a:p>
-        </p:txBody>
-      </p:sp>
-      <p:sp>
-        <p:nvSpPr>
-          <p:cNvPr id="15" name="CuadroTexto 14">
-            <a:extLst>
-              <a:ext uri="{FF2B5EF4-FFF2-40B4-BE49-F238E27FC236}">
-                <a16:creationId xmlns:a16="http://schemas.microsoft.com/office/drawing/2014/main" id="{64906C76-0710-455F-84AE-7E2645F3520E}"/>
-              </a:ext>
-            </a:extLst>
-          </p:cNvPr>
-          <p:cNvSpPr txBox="1"/>
-          <p:nvPr/>
-        </p:nvSpPr>
-        <p:spPr>
-          <a:xfrm>
-            <a:off x="7996645" y="1797834"/>
-            <a:ext cx="3629891" cy="461665"/>
-          </a:xfrm>
-          <a:prstGeom prst="rect">
-            <a:avLst/>
-          </a:prstGeom>
-          <a:noFill/>
-        </p:spPr>
-        <p:txBody>
-          <a:bodyPr wrap="square" rtlCol="0">
-            <a:spAutoFit/>
-          </a:bodyPr>
-          <a:lstStyle/>
-          <a:p>
-            <a:pPr algn="ctr"/>
-            <a:r>
-              <a:rPr lang="es-ES" sz="2400" b="1" dirty="0">
-                <a:solidFill>
-                  <a:schemeClr val="tx1">
-                    <a:lumMod val="95000"/>
-                  </a:schemeClr>
-                </a:solidFill>
-                <a:latin typeface="Segoe UI" panose="020B0502040204020203" pitchFamily="34" charset="0"/>
-                <a:cs typeface="Segoe UI" panose="020B0502040204020203" pitchFamily="34" charset="0"/>
-              </a:rPr>
-              <a:t>Cursos online</a:t>
-            </a:r>
-          </a:p>
-        </p:txBody>
-      </p:sp>
-      <p:sp>
-        <p:nvSpPr>
-          <p:cNvPr id="16" name="CuadroTexto 15">
-            <a:extLst>
-              <a:ext uri="{FF2B5EF4-FFF2-40B4-BE49-F238E27FC236}">
-                <a16:creationId xmlns:a16="http://schemas.microsoft.com/office/drawing/2014/main" id="{C5FCF5A1-BBC7-44B9-A41E-22F7E030C2BE}"/>
-              </a:ext>
-            </a:extLst>
-          </p:cNvPr>
-          <p:cNvSpPr txBox="1"/>
-          <p:nvPr/>
-        </p:nvSpPr>
-        <p:spPr>
-          <a:xfrm>
-            <a:off x="4662083" y="2398605"/>
-            <a:ext cx="3005915" cy="2308324"/>
-          </a:xfrm>
-          <a:prstGeom prst="rect">
-            <a:avLst/>
-          </a:prstGeom>
-          <a:noFill/>
-        </p:spPr>
-        <p:txBody>
-          <a:bodyPr wrap="square" rtlCol="0">
-            <a:spAutoFit/>
-          </a:bodyPr>
-          <a:lstStyle/>
-          <a:p>
-            <a:pPr algn="ctr"/>
-            <a:r>
-              <a:rPr lang="es-ES" sz="1600" dirty="0">
-                <a:solidFill>
-                  <a:schemeClr val="tx1">
-                    <a:lumMod val="95000"/>
-                  </a:schemeClr>
-                </a:solidFill>
-              </a:rPr>
-              <a:t>Página de comunidad de resolución de dudas</a:t>
-            </a:r>
-            <a:endParaRPr lang="es-ES" sz="1600" dirty="0">
-              <a:solidFill>
-                <a:schemeClr val="tx1">
-                  <a:lumMod val="95000"/>
-                </a:schemeClr>
-              </a:solidFill>
-              <a:hlinkClick r:id="rId3">
-                <a:extLst>
-                  <a:ext uri="{A12FA001-AC4F-418D-AE19-62706E023703}">
-                    <ahyp:hlinkClr xmlns:ahyp="http://schemas.microsoft.com/office/drawing/2018/hyperlinkcolor" val="tx"/>
-                  </a:ext>
-                </a:extLst>
-              </a:hlinkClick>
-            </a:endParaRPr>
-          </a:p>
-          <a:p>
-            <a:pPr algn="ctr"/>
-            <a:r>
-              <a:rPr lang="es-ES" sz="1600" dirty="0">
-                <a:solidFill>
-                  <a:schemeClr val="accent4">
-                    <a:lumMod val="60000"/>
-                    <a:lumOff val="40000"/>
-                  </a:schemeClr>
-                </a:solidFill>
-                <a:hlinkClick r:id="rId3">
-                  <a:extLst>
-                    <a:ext uri="{A12FA001-AC4F-418D-AE19-62706E023703}">
-                      <ahyp:hlinkClr xmlns:ahyp="http://schemas.microsoft.com/office/drawing/2018/hyperlinkcolor" val="tx"/>
-                    </a:ext>
-                  </a:extLst>
-                </a:hlinkClick>
-              </a:rPr>
-              <a:t>https://stackoverflow.com/</a:t>
-            </a:r>
-            <a:endParaRPr lang="es-ES" sz="1600" dirty="0">
-              <a:solidFill>
-                <a:schemeClr val="accent4">
-                  <a:lumMod val="60000"/>
-                  <a:lumOff val="40000"/>
-                </a:schemeClr>
-              </a:solidFill>
-            </a:endParaRPr>
-          </a:p>
-          <a:p>
-            <a:pPr algn="ctr"/>
-            <a:endParaRPr lang="es-ES" sz="1600" dirty="0">
-              <a:solidFill>
-                <a:schemeClr val="accent4">
-                  <a:lumMod val="60000"/>
-                  <a:lumOff val="40000"/>
-                </a:schemeClr>
-              </a:solidFill>
-            </a:endParaRPr>
-          </a:p>
-          <a:p>
-            <a:pPr algn="ctr"/>
-            <a:endParaRPr lang="es-ES" sz="1600" dirty="0">
-              <a:solidFill>
-                <a:schemeClr val="accent4">
-                  <a:lumMod val="60000"/>
-                  <a:lumOff val="40000"/>
-                </a:schemeClr>
-              </a:solidFill>
-            </a:endParaRPr>
-          </a:p>
-          <a:p>
-            <a:pPr algn="ctr"/>
-            <a:r>
-              <a:rPr lang="es-ES" sz="1600" dirty="0">
-                <a:solidFill>
-                  <a:schemeClr val="tx1">
-                    <a:lumMod val="95000"/>
-                  </a:schemeClr>
-                </a:solidFill>
-              </a:rPr>
-              <a:t>Siempre encontrarás a alguien que se ha topado con el mismo error que tu</a:t>
-            </a:r>
-          </a:p>
-          <a:p>
-            <a:pPr algn="ctr"/>
-            <a:r>
-              <a:rPr lang="es-ES" sz="1600" dirty="0">
-                <a:solidFill>
-                  <a:schemeClr val="accent4">
-                    <a:lumMod val="60000"/>
-                    <a:lumOff val="40000"/>
-                  </a:schemeClr>
-                </a:solidFill>
-                <a:hlinkClick r:id="rId4">
-                  <a:extLst>
-                    <a:ext uri="{A12FA001-AC4F-418D-AE19-62706E023703}">
-                      <ahyp:hlinkClr xmlns:ahyp="http://schemas.microsoft.com/office/drawing/2018/hyperlinkcolor" val="tx"/>
-                    </a:ext>
-                  </a:extLst>
-                </a:hlinkClick>
-              </a:rPr>
-              <a:t>https://www.google.es/</a:t>
-            </a:r>
-            <a:endParaRPr lang="es-ES" sz="1600" dirty="0">
-              <a:solidFill>
-                <a:schemeClr val="accent4">
-                  <a:lumMod val="60000"/>
-                  <a:lumOff val="40000"/>
-                </a:schemeClr>
-              </a:solidFill>
-            </a:endParaRPr>
-          </a:p>
-        </p:txBody>
-      </p:sp>
-      <p:sp>
-        <p:nvSpPr>
-          <p:cNvPr id="17" name="Rectángulo 16">
-            <a:extLst>
-              <a:ext uri="{FF2B5EF4-FFF2-40B4-BE49-F238E27FC236}">
-                <a16:creationId xmlns:a16="http://schemas.microsoft.com/office/drawing/2014/main" id="{83B7C1C1-9141-4828-9C59-888402AB40F9}"/>
-              </a:ext>
-            </a:extLst>
-          </p:cNvPr>
-          <p:cNvSpPr/>
-          <p:nvPr/>
-        </p:nvSpPr>
-        <p:spPr>
-          <a:xfrm>
-            <a:off x="235705" y="2259499"/>
-            <a:ext cx="3825278" cy="2308324"/>
-          </a:xfrm>
-          <a:prstGeom prst="rect">
-            <a:avLst/>
-          </a:prstGeom>
-        </p:spPr>
-        <p:txBody>
-          <a:bodyPr wrap="none">
-            <a:spAutoFit/>
-          </a:bodyPr>
-          <a:lstStyle/>
-          <a:p>
-            <a:pPr algn="ctr"/>
-            <a:r>
-              <a:rPr lang="es-ES" sz="1600" dirty="0">
-                <a:solidFill>
-                  <a:schemeClr val="accent4">
-                    <a:lumMod val="60000"/>
-                    <a:lumOff val="40000"/>
-                  </a:schemeClr>
-                </a:solidFill>
-                <a:hlinkClick r:id="rId5">
-                  <a:extLst>
-                    <a:ext uri="{A12FA001-AC4F-418D-AE19-62706E023703}">
-                      <ahyp:hlinkClr xmlns:ahyp="http://schemas.microsoft.com/office/drawing/2018/hyperlinkcolor" val="tx"/>
-                    </a:ext>
-                  </a:extLst>
-                </a:hlinkClick>
-              </a:rPr>
-              <a:t>https://www.python.org/doc/</a:t>
-            </a:r>
-            <a:endParaRPr lang="es-ES" sz="1600" dirty="0">
-              <a:solidFill>
-                <a:schemeClr val="accent4">
-                  <a:lumMod val="60000"/>
-                  <a:lumOff val="40000"/>
-                </a:schemeClr>
-              </a:solidFill>
-            </a:endParaRPr>
-          </a:p>
-          <a:p>
-            <a:pPr algn="ctr"/>
-            <a:endParaRPr lang="es-ES" sz="1600" dirty="0">
-              <a:solidFill>
-                <a:schemeClr val="accent4">
-                  <a:lumMod val="60000"/>
-                  <a:lumOff val="40000"/>
-                </a:schemeClr>
-              </a:solidFill>
-            </a:endParaRPr>
-          </a:p>
-          <a:p>
-            <a:pPr algn="ctr"/>
-            <a:r>
-              <a:rPr lang="es-ES" sz="1600" dirty="0">
-                <a:solidFill>
-                  <a:schemeClr val="accent4">
-                    <a:lumMod val="60000"/>
-                    <a:lumOff val="40000"/>
-                  </a:schemeClr>
-                </a:solidFill>
-                <a:hlinkClick r:id="rId6">
-                  <a:extLst>
-                    <a:ext uri="{A12FA001-AC4F-418D-AE19-62706E023703}">
-                      <ahyp:hlinkClr xmlns:ahyp="http://schemas.microsoft.com/office/drawing/2018/hyperlinkcolor" val="tx"/>
-                    </a:ext>
-                  </a:extLst>
-                </a:hlinkClick>
-              </a:rPr>
-              <a:t>https://devguide.python.org/documenting/</a:t>
-            </a:r>
-            <a:endParaRPr lang="es-ES" sz="1600" dirty="0">
-              <a:solidFill>
-                <a:schemeClr val="accent4">
-                  <a:lumMod val="60000"/>
-                  <a:lumOff val="40000"/>
-                </a:schemeClr>
-              </a:solidFill>
-            </a:endParaRPr>
-          </a:p>
-          <a:p>
-            <a:pPr algn="ctr"/>
-            <a:endParaRPr lang="es-ES" sz="1600" dirty="0">
-              <a:solidFill>
-                <a:schemeClr val="accent4">
-                  <a:lumMod val="60000"/>
-                  <a:lumOff val="40000"/>
-                </a:schemeClr>
-              </a:solidFill>
-            </a:endParaRPr>
-          </a:p>
-          <a:p>
-            <a:pPr algn="ctr"/>
-            <a:r>
-              <a:rPr lang="es-ES" sz="1600" dirty="0">
-                <a:solidFill>
-                  <a:schemeClr val="tx1">
-                    <a:lumMod val="95000"/>
-                  </a:schemeClr>
-                </a:solidFill>
-              </a:rPr>
-              <a:t>Buenos tutoriales y artículos</a:t>
-            </a:r>
-          </a:p>
-          <a:p>
-            <a:pPr algn="ctr"/>
-            <a:r>
-              <a:rPr lang="es-ES" sz="1600" dirty="0">
-                <a:solidFill>
-                  <a:schemeClr val="accent4">
-                    <a:lumMod val="60000"/>
-                    <a:lumOff val="40000"/>
-                  </a:schemeClr>
-                </a:solidFill>
-                <a:hlinkClick r:id="rId7">
-                  <a:extLst>
-                    <a:ext uri="{A12FA001-AC4F-418D-AE19-62706E023703}">
-                      <ahyp:hlinkClr xmlns:ahyp="http://schemas.microsoft.com/office/drawing/2018/hyperlinkcolor" val="tx"/>
-                    </a:ext>
-                  </a:extLst>
-                </a:hlinkClick>
-              </a:rPr>
-              <a:t>https://realpython.com/</a:t>
-            </a:r>
-            <a:endParaRPr lang="es-ES" sz="1600" dirty="0">
-              <a:solidFill>
-                <a:schemeClr val="accent4">
-                  <a:lumMod val="60000"/>
-                  <a:lumOff val="40000"/>
-                </a:schemeClr>
-              </a:solidFill>
-            </a:endParaRPr>
-          </a:p>
-          <a:p>
-            <a:pPr algn="ctr"/>
-            <a:endParaRPr lang="es-ES" sz="1600" dirty="0">
-              <a:solidFill>
-                <a:schemeClr val="accent4">
-                  <a:lumMod val="60000"/>
-                  <a:lumOff val="40000"/>
-                </a:schemeClr>
-              </a:solidFill>
-            </a:endParaRPr>
-          </a:p>
-          <a:p>
-            <a:pPr algn="ctr"/>
-            <a:r>
-              <a:rPr lang="es-ES" sz="1600" dirty="0">
-                <a:solidFill>
-                  <a:schemeClr val="tx1">
-                    <a:lumMod val="95000"/>
-                  </a:schemeClr>
-                </a:solidFill>
-              </a:rPr>
-              <a:t>Suele tener muy buenos artículos</a:t>
-            </a:r>
-          </a:p>
-          <a:p>
-            <a:pPr algn="ctr"/>
-            <a:r>
-              <a:rPr lang="es-ES" sz="1600" dirty="0">
-                <a:solidFill>
-                  <a:schemeClr val="accent4">
-                    <a:lumMod val="60000"/>
-                    <a:lumOff val="40000"/>
-                  </a:schemeClr>
-                </a:solidFill>
-                <a:hlinkClick r:id="rId8">
-                  <a:extLst>
-                    <a:ext uri="{A12FA001-AC4F-418D-AE19-62706E023703}">
-                      <ahyp:hlinkClr xmlns:ahyp="http://schemas.microsoft.com/office/drawing/2018/hyperlinkcolor" val="tx"/>
-                    </a:ext>
-                  </a:extLst>
-                </a:hlinkClick>
-              </a:rPr>
-              <a:t>https://medium.com/</a:t>
-            </a:r>
-            <a:endParaRPr lang="es-ES" sz="1600" dirty="0">
-              <a:solidFill>
-                <a:schemeClr val="accent4">
-                  <a:lumMod val="60000"/>
-                  <a:lumOff val="40000"/>
-                </a:schemeClr>
-              </a:solidFill>
-            </a:endParaRPr>
-          </a:p>
-        </p:txBody>
-      </p:sp>
-      <p:sp>
-        <p:nvSpPr>
-          <p:cNvPr id="3" name="CuadroTexto 2">
-            <a:extLst>
-              <a:ext uri="{FF2B5EF4-FFF2-40B4-BE49-F238E27FC236}">
-                <a16:creationId xmlns:a16="http://schemas.microsoft.com/office/drawing/2014/main" id="{1AB50C60-E696-40CA-B00E-BCF8FBD3DC0B}"/>
-              </a:ext>
-            </a:extLst>
-          </p:cNvPr>
-          <p:cNvSpPr txBox="1"/>
-          <p:nvPr/>
-        </p:nvSpPr>
-        <p:spPr>
-          <a:xfrm>
-            <a:off x="8358380" y="2398605"/>
-            <a:ext cx="2906419" cy="1846659"/>
-          </a:xfrm>
-          <a:prstGeom prst="rect">
-            <a:avLst/>
-          </a:prstGeom>
-          <a:noFill/>
-        </p:spPr>
-        <p:txBody>
-          <a:bodyPr wrap="square" rtlCol="0">
-            <a:spAutoFit/>
-          </a:bodyPr>
-          <a:lstStyle/>
-          <a:p>
-            <a:pPr algn="ctr"/>
-            <a:r>
-              <a:rPr lang="es-ES" sz="1600" dirty="0">
-                <a:solidFill>
-                  <a:schemeClr val="accent4">
-                    <a:lumMod val="60000"/>
-                    <a:lumOff val="40000"/>
-                  </a:schemeClr>
-                </a:solidFill>
-                <a:hlinkClick r:id="rId9">
-                  <a:extLst>
-                    <a:ext uri="{A12FA001-AC4F-418D-AE19-62706E023703}">
-                      <ahyp:hlinkClr xmlns:ahyp="http://schemas.microsoft.com/office/drawing/2018/hyperlinkcolor" val="tx"/>
-                    </a:ext>
-                  </a:extLst>
-                </a:hlinkClick>
-              </a:rPr>
-              <a:t>https://www.edx.org/search</a:t>
-            </a:r>
-            <a:endParaRPr lang="es-ES" sz="1600" dirty="0">
-              <a:solidFill>
-                <a:schemeClr val="accent4">
-                  <a:lumMod val="60000"/>
-                  <a:lumOff val="40000"/>
-                </a:schemeClr>
-              </a:solidFill>
-            </a:endParaRPr>
-          </a:p>
-          <a:p>
-            <a:pPr algn="ctr"/>
-            <a:endParaRPr lang="es-ES" sz="1600" dirty="0">
-              <a:solidFill>
-                <a:schemeClr val="accent4">
-                  <a:lumMod val="60000"/>
-                  <a:lumOff val="40000"/>
-                </a:schemeClr>
-              </a:solidFill>
-            </a:endParaRPr>
-          </a:p>
-          <a:p>
-            <a:pPr algn="ctr"/>
-            <a:r>
-              <a:rPr lang="es-ES" sz="1600" dirty="0">
-                <a:solidFill>
-                  <a:schemeClr val="accent4">
-                    <a:lumMod val="60000"/>
-                    <a:lumOff val="40000"/>
-                  </a:schemeClr>
-                </a:solidFill>
-                <a:hlinkClick r:id="rId10">
-                  <a:extLst>
-                    <a:ext uri="{A12FA001-AC4F-418D-AE19-62706E023703}">
-                      <ahyp:hlinkClr xmlns:ahyp="http://schemas.microsoft.com/office/drawing/2018/hyperlinkcolor" val="tx"/>
-                    </a:ext>
-                  </a:extLst>
-                </a:hlinkClick>
-              </a:rPr>
-              <a:t>https://www.udemy.com/</a:t>
-            </a:r>
-            <a:endParaRPr lang="es-ES" sz="1600" dirty="0">
-              <a:solidFill>
-                <a:schemeClr val="accent4">
-                  <a:lumMod val="60000"/>
-                  <a:lumOff val="40000"/>
-                </a:schemeClr>
-              </a:solidFill>
-            </a:endParaRPr>
-          </a:p>
-          <a:p>
-            <a:pPr algn="ctr"/>
-            <a:endParaRPr lang="es-ES" sz="1600" dirty="0">
-              <a:solidFill>
-                <a:schemeClr val="accent4">
-                  <a:lumMod val="60000"/>
-                  <a:lumOff val="40000"/>
-                </a:schemeClr>
-              </a:solidFill>
-            </a:endParaRPr>
-          </a:p>
-          <a:p>
-            <a:pPr algn="ctr"/>
-            <a:r>
-              <a:rPr lang="es-ES" sz="1600" dirty="0">
-                <a:solidFill>
-                  <a:schemeClr val="accent4">
-                    <a:lumMod val="60000"/>
-                    <a:lumOff val="40000"/>
-                  </a:schemeClr>
-                </a:solidFill>
-                <a:hlinkClick r:id="rId11">
-                  <a:extLst>
-                    <a:ext uri="{A12FA001-AC4F-418D-AE19-62706E023703}">
-                      <ahyp:hlinkClr xmlns:ahyp="http://schemas.microsoft.com/office/drawing/2018/hyperlinkcolor" val="tx"/>
-                    </a:ext>
-                  </a:extLst>
-                </a:hlinkClick>
-              </a:rPr>
-              <a:t>https://es.coursera.org/</a:t>
-            </a:r>
-            <a:endParaRPr lang="es-ES" sz="1600" dirty="0">
-              <a:solidFill>
-                <a:schemeClr val="accent4">
-                  <a:lumMod val="60000"/>
-                  <a:lumOff val="40000"/>
-                </a:schemeClr>
-              </a:solidFill>
-            </a:endParaRPr>
-          </a:p>
-          <a:p>
-            <a:pPr algn="ctr"/>
-            <a:endParaRPr lang="es-ES" sz="1600" dirty="0">
-              <a:solidFill>
-                <a:schemeClr val="accent4">
-                  <a:lumMod val="60000"/>
-                  <a:lumOff val="40000"/>
-                </a:schemeClr>
-              </a:solidFill>
-            </a:endParaRPr>
-          </a:p>
-          <a:p>
-            <a:pPr algn="ctr"/>
-            <a:r>
-              <a:rPr lang="es-ES" sz="1600" dirty="0">
-                <a:solidFill>
-                  <a:schemeClr val="accent4">
-                    <a:lumMod val="60000"/>
-                    <a:lumOff val="40000"/>
-                  </a:schemeClr>
-                </a:solidFill>
-                <a:hlinkClick r:id="rId12">
-                  <a:extLst>
-                    <a:ext uri="{A12FA001-AC4F-418D-AE19-62706E023703}">
-                      <ahyp:hlinkClr xmlns:ahyp="http://schemas.microsoft.com/office/drawing/2018/hyperlinkcolor" val="tx"/>
-                    </a:ext>
-                  </a:extLst>
-                </a:hlinkClick>
-              </a:rPr>
-              <a:t>https://miriadax.net/home</a:t>
-            </a:r>
-            <a:endParaRPr lang="es-ES" sz="1600" dirty="0">
-              <a:solidFill>
-                <a:schemeClr val="accent4">
-                  <a:lumMod val="60000"/>
-                  <a:lumOff val="40000"/>
-                </a:schemeClr>
-              </a:solidFill>
-            </a:endParaRPr>
+            <a:r>
+              <a:rPr lang="es-ES" dirty="0"/>
+              <a:t>La duda ha obtenido 4 respuestas. La mejor tiene 45 votos positivos. Tienes que buscar siempre respuestas con muchos votos. Hasta 10 es pobre. El </a:t>
+            </a:r>
+            <a:r>
+              <a:rPr lang="es-ES" dirty="0" err="1"/>
+              <a:t>tick</a:t>
+            </a:r>
+            <a:r>
+              <a:rPr lang="es-ES" dirty="0"/>
+              <a:t> verde también es importante ya que indica que la solución es válida.</a:t>
+            </a:r>
           </a:p>
         </p:txBody>
       </p:sp>
     </p:spTree>
     <p:extLst>
       <p:ext uri="{BB962C8B-B14F-4D97-AF65-F5344CB8AC3E}">
-        <p14:creationId xmlns:p14="http://schemas.microsoft.com/office/powerpoint/2010/main" val="1138136944"/>
+        <p14:creationId xmlns:p14="http://schemas.microsoft.com/office/powerpoint/2010/main" val="223281468"/>
       </p:ext>
     </p:extLst>
   </p:cSld>
@@ -5513,7 +4976,7 @@
 </p:sld>
 </file>
 
-<file path=ppt/slides/slide4.xml><?xml version="1.0" encoding="utf-8"?>
+<file path=ppt/slides/slide5.xml><?xml version="1.0" encoding="utf-8"?>
 <p:sld xmlns:a="http://schemas.openxmlformats.org/drawingml/2006/main" xmlns:r="http://schemas.openxmlformats.org/officeDocument/2006/relationships" xmlns:p="http://schemas.openxmlformats.org/presentationml/2006/main">
   <p:cSld>
     <p:spTree>

--- a/0_Ramp_Up/documentos/Data Science - Ramp Up - Apoyo.pptx
+++ b/0_Ramp_Up/documentos/Data Science - Ramp Up - Apoyo.pptx
@@ -4697,7 +4697,7 @@
         </p:spPr>
         <p:txBody>
           <a:bodyPr>
-            <a:normAutofit/>
+            <a:normAutofit fontScale="92500"/>
           </a:bodyPr>
           <a:lstStyle/>
           <a:p>
@@ -4740,6 +4740,20 @@
               <a:t>stackoverflow</a:t>
             </a:r>
             <a:endParaRPr lang="es-ES" sz="2400" b="1" u="sng" dirty="0"/>
+          </a:p>
+          <a:p>
+            <a:r>
+              <a:rPr lang="es-ES" sz="2400" dirty="0"/>
+              <a:t>Copiar el error y pegarlo en Google en ocasiones funciona. Mucha gente que escribe en </a:t>
+            </a:r>
+            <a:r>
+              <a:rPr lang="es-ES" sz="2400" dirty="0" err="1"/>
+              <a:t>stackoverflow</a:t>
+            </a:r>
+            <a:r>
+              <a:rPr lang="es-ES" sz="2400" dirty="0"/>
+              <a:t>, pega el error entero también.</a:t>
+            </a:r>
           </a:p>
         </p:txBody>
       </p:sp>

--- a/0_Ramp_Up/documentos/Data Science - Ramp Up - Apoyo.pptx
+++ b/0_Ramp_Up/documentos/Data Science - Ramp Up - Apoyo.pptx
@@ -5,17 +5,18 @@
     <p:sldMasterId id="2147483660" r:id="rId1"/>
   </p:sldMasterIdLst>
   <p:notesMasterIdLst>
-    <p:notesMasterId r:id="rId7"/>
+    <p:notesMasterId r:id="rId8"/>
   </p:notesMasterIdLst>
   <p:handoutMasterIdLst>
-    <p:handoutMasterId r:id="rId8"/>
+    <p:handoutMasterId r:id="rId9"/>
   </p:handoutMasterIdLst>
   <p:sldIdLst>
     <p:sldId id="256" r:id="rId2"/>
     <p:sldId id="263" r:id="rId3"/>
     <p:sldId id="265" r:id="rId4"/>
     <p:sldId id="266" r:id="rId5"/>
-    <p:sldId id="264" r:id="rId6"/>
+    <p:sldId id="267" r:id="rId6"/>
+    <p:sldId id="264" r:id="rId7"/>
   </p:sldIdLst>
   <p:sldSz cx="12192000" cy="6858000"/>
   <p:notesSz cx="6858000" cy="9144000"/>
@@ -219,7 +220,7 @@
           <a:p>
             <a:fld id="{E2E1EB10-6A21-440E-BF2D-F14C49559F2A}" type="datetimeFigureOut">
               <a:rPr lang="es-ES" smtClean="0"/>
-              <a:t>14/06/2020</a:t>
+              <a:t>19/06/2020</a:t>
             </a:fld>
             <a:endParaRPr lang="es-ES"/>
           </a:p>
@@ -403,7 +404,7 @@
           <a:p>
             <a:fld id="{6030B40B-5C5C-408D-8E71-442557AE69BE}" type="datetimeFigureOut">
               <a:rPr lang="es-ES" smtClean="0"/>
-              <a:t>14/06/2020</a:t>
+              <a:t>19/06/2020</a:t>
             </a:fld>
             <a:endParaRPr lang="es-ES"/>
           </a:p>
@@ -805,7 +806,7 @@
           <a:p>
             <a:fld id="{5B772F0D-A02A-4702-8780-0B9BEC7A8699}" type="datetime1">
               <a:rPr lang="es-ES" smtClean="0"/>
-              <a:t>14/06/2020</a:t>
+              <a:t>19/06/2020</a:t>
             </a:fld>
             <a:endParaRPr lang="es-ES"/>
           </a:p>
@@ -978,7 +979,7 @@
           <a:p>
             <a:fld id="{B7089A12-8DCA-43F2-8141-5440FE76067E}" type="datetime1">
               <a:rPr lang="es-ES" smtClean="0"/>
-              <a:t>14/06/2020</a:t>
+              <a:t>19/06/2020</a:t>
             </a:fld>
             <a:endParaRPr lang="es-ES"/>
           </a:p>
@@ -1161,7 +1162,7 @@
           <a:p>
             <a:fld id="{1ECAA92C-77A8-40E9-B836-7A7337601971}" type="datetime1">
               <a:rPr lang="es-ES" smtClean="0"/>
-              <a:t>14/06/2020</a:t>
+              <a:t>19/06/2020</a:t>
             </a:fld>
             <a:endParaRPr lang="es-ES"/>
           </a:p>
@@ -1334,7 +1335,7 @@
           <a:p>
             <a:fld id="{76C3C7A2-BAD2-4CA0-B88A-B6452E90DFBC}" type="datetime1">
               <a:rPr lang="es-ES" smtClean="0"/>
-              <a:t>14/06/2020</a:t>
+              <a:t>19/06/2020</a:t>
             </a:fld>
             <a:endParaRPr lang="es-ES"/>
           </a:p>
@@ -1583,7 +1584,7 @@
           <a:p>
             <a:fld id="{ECA9CF60-F39A-43C0-966A-9235067209B8}" type="datetime1">
               <a:rPr lang="es-ES" smtClean="0"/>
-              <a:t>14/06/2020</a:t>
+              <a:t>19/06/2020</a:t>
             </a:fld>
             <a:endParaRPr lang="es-ES"/>
           </a:p>
@@ -1818,7 +1819,7 @@
           <a:p>
             <a:fld id="{4956C9BF-599C-46EE-897D-D3B566742584}" type="datetime1">
               <a:rPr lang="es-ES" smtClean="0"/>
-              <a:t>14/06/2020</a:t>
+              <a:t>19/06/2020</a:t>
             </a:fld>
             <a:endParaRPr lang="es-ES"/>
           </a:p>
@@ -2188,7 +2189,7 @@
           <a:p>
             <a:fld id="{95FE9576-1C9C-4DA4-A00A-9DD8D8245248}" type="datetime1">
               <a:rPr lang="es-ES" smtClean="0"/>
-              <a:t>14/06/2020</a:t>
+              <a:t>19/06/2020</a:t>
             </a:fld>
             <a:endParaRPr lang="es-ES"/>
           </a:p>
@@ -2309,7 +2310,7 @@
           <a:p>
             <a:fld id="{A25E806F-9BD2-4ABB-A643-CD5EC8F2EFC5}" type="datetime1">
               <a:rPr lang="es-ES" smtClean="0"/>
-              <a:t>14/06/2020</a:t>
+              <a:t>19/06/2020</a:t>
             </a:fld>
             <a:endParaRPr lang="es-ES"/>
           </a:p>
@@ -2407,7 +2408,7 @@
           <a:p>
             <a:fld id="{44D58291-17CD-4DFA-B627-8197516A579F}" type="datetime1">
               <a:rPr lang="es-ES" smtClean="0"/>
-              <a:t>14/06/2020</a:t>
+              <a:t>19/06/2020</a:t>
             </a:fld>
             <a:endParaRPr lang="es-ES"/>
           </a:p>
@@ -2687,7 +2688,7 @@
           <a:p>
             <a:fld id="{CE47F85A-B433-4D20-98A1-4063FF1FEBAE}" type="datetime1">
               <a:rPr lang="es-ES" smtClean="0"/>
-              <a:t>14/06/2020</a:t>
+              <a:t>19/06/2020</a:t>
             </a:fld>
             <a:endParaRPr lang="es-ES"/>
           </a:p>
@@ -2947,7 +2948,7 @@
           <a:p>
             <a:fld id="{88FF7EC7-7A16-44B9-9DAF-6069C283BDDE}" type="datetime1">
               <a:rPr lang="es-ES" smtClean="0"/>
-              <a:t>14/06/2020</a:t>
+              <a:t>19/06/2020</a:t>
             </a:fld>
             <a:endParaRPr lang="es-ES"/>
           </a:p>
@@ -3163,7 +3164,7 @@
           <a:p>
             <a:fld id="{1FF7DE26-E335-45E6-BFEF-90CB33A4197F}" type="datetime1">
               <a:rPr lang="es-ES" smtClean="0"/>
-              <a:t>14/06/2020</a:t>
+              <a:t>19/06/2020</a:t>
             </a:fld>
             <a:endParaRPr lang="es-ES"/>
           </a:p>
@@ -4991,6 +4992,132 @@
 </file>
 
 <file path=ppt/slides/slide5.xml><?xml version="1.0" encoding="utf-8"?>
+<p:sld xmlns:a="http://schemas.openxmlformats.org/drawingml/2006/main" xmlns:r="http://schemas.openxmlformats.org/officeDocument/2006/relationships" xmlns:p="http://schemas.openxmlformats.org/presentationml/2006/main">
+  <p:cSld>
+    <p:spTree>
+      <p:nvGrpSpPr>
+        <p:cNvPr id="1" name=""/>
+        <p:cNvGrpSpPr/>
+        <p:nvPr/>
+      </p:nvGrpSpPr>
+      <p:grpSpPr>
+        <a:xfrm>
+          <a:off x="0" y="0"/>
+          <a:ext cx="0" cy="0"/>
+          <a:chOff x="0" y="0"/>
+          <a:chExt cx="0" cy="0"/>
+        </a:xfrm>
+      </p:grpSpPr>
+      <p:sp>
+        <p:nvSpPr>
+          <p:cNvPr id="3" name="Marcador de contenido 2">
+            <a:extLst>
+              <a:ext uri="{FF2B5EF4-FFF2-40B4-BE49-F238E27FC236}">
+                <a16:creationId xmlns:a16="http://schemas.microsoft.com/office/drawing/2014/main" id="{4A75A277-946E-4125-BC1B-9BA66C0ACE8F}"/>
+              </a:ext>
+            </a:extLst>
+          </p:cNvPr>
+          <p:cNvSpPr>
+            <a:spLocks noGrp="1"/>
+          </p:cNvSpPr>
+          <p:nvPr>
+            <p:ph idx="1"/>
+          </p:nvPr>
+        </p:nvSpPr>
+        <p:spPr>
+          <a:xfrm>
+            <a:off x="542346" y="940142"/>
+            <a:ext cx="9836649" cy="777027"/>
+          </a:xfrm>
+        </p:spPr>
+        <p:txBody>
+          <a:bodyPr/>
+          <a:lstStyle/>
+          <a:p>
+            <a:pPr marL="0" indent="0">
+              <a:buNone/>
+            </a:pPr>
+            <a:r>
+              <a:rPr lang="es-ES" dirty="0"/>
+              <a:t>Consultar documentación</a:t>
+            </a:r>
+          </a:p>
+        </p:txBody>
+      </p:sp>
+      <p:pic>
+        <p:nvPicPr>
+          <p:cNvPr id="9" name="Imagen 8">
+            <a:extLst>
+              <a:ext uri="{FF2B5EF4-FFF2-40B4-BE49-F238E27FC236}">
+                <a16:creationId xmlns:a16="http://schemas.microsoft.com/office/drawing/2014/main" id="{EBF4223A-390F-41E4-9EFD-486D1A05C68E}"/>
+              </a:ext>
+            </a:extLst>
+          </p:cNvPr>
+          <p:cNvPicPr>
+            <a:picLocks noChangeAspect="1"/>
+          </p:cNvPicPr>
+          <p:nvPr/>
+        </p:nvPicPr>
+        <p:blipFill>
+          <a:blip r:embed="rId2"/>
+          <a:stretch>
+            <a:fillRect/>
+          </a:stretch>
+        </p:blipFill>
+        <p:spPr>
+          <a:xfrm>
+            <a:off x="542346" y="1781807"/>
+            <a:ext cx="5215895" cy="2454291"/>
+          </a:xfrm>
+          <a:prstGeom prst="rect">
+            <a:avLst/>
+          </a:prstGeom>
+        </p:spPr>
+      </p:pic>
+      <p:pic>
+        <p:nvPicPr>
+          <p:cNvPr id="10" name="Imagen 9">
+            <a:extLst>
+              <a:ext uri="{FF2B5EF4-FFF2-40B4-BE49-F238E27FC236}">
+                <a16:creationId xmlns:a16="http://schemas.microsoft.com/office/drawing/2014/main" id="{4954CA7F-3812-4903-B251-DDAF6BC219C1}"/>
+              </a:ext>
+            </a:extLst>
+          </p:cNvPr>
+          <p:cNvPicPr>
+            <a:picLocks noChangeAspect="1"/>
+          </p:cNvPicPr>
+          <p:nvPr/>
+        </p:nvPicPr>
+        <p:blipFill>
+          <a:blip r:embed="rId3"/>
+          <a:stretch>
+            <a:fillRect/>
+          </a:stretch>
+        </p:blipFill>
+        <p:spPr>
+          <a:xfrm>
+            <a:off x="5963521" y="1781807"/>
+            <a:ext cx="5686133" cy="2726968"/>
+          </a:xfrm>
+          <a:prstGeom prst="rect">
+            <a:avLst/>
+          </a:prstGeom>
+        </p:spPr>
+      </p:pic>
+    </p:spTree>
+    <p:extLst>
+      <p:ext uri="{BB962C8B-B14F-4D97-AF65-F5344CB8AC3E}">
+        <p14:creationId xmlns:p14="http://schemas.microsoft.com/office/powerpoint/2010/main" val="1734767520"/>
+      </p:ext>
+    </p:extLst>
+  </p:cSld>
+  <p:clrMapOvr>
+    <a:masterClrMapping/>
+  </p:clrMapOvr>
+</p:sld>
+</file>
+
+<file path=ppt/slides/slide6.xml><?xml version="1.0" encoding="utf-8"?>
 <p:sld xmlns:a="http://schemas.openxmlformats.org/drawingml/2006/main" xmlns:r="http://schemas.openxmlformats.org/officeDocument/2006/relationships" xmlns:p="http://schemas.openxmlformats.org/presentationml/2006/main">
   <p:cSld>
     <p:spTree>
